--- a/Adidas Sales Dashboard.pptx
+++ b/Adidas Sales Dashboard.pptx
@@ -2,7 +2,7 @@
 <file path=ppt/presentation.xml><?xml version="1.0" encoding="utf-8"?>
 <p:presentation xmlns:a="http://schemas.openxmlformats.org/drawingml/2006/main" xmlns:r="http://schemas.openxmlformats.org/officeDocument/2006/relationships" xmlns:p="http://schemas.openxmlformats.org/presentationml/2006/main" saveSubsetFonts="1">
   <p:sldMasterIdLst>
-    <p:sldMasterId id="2147483648" r:id="rId4"/>
+    <p:sldMasterId id="2147483672" r:id="rId4"/>
   </p:sldMasterIdLst>
   <p:sldIdLst>
     <p:sldId id="256" r:id="rId5"/>
@@ -13,7 +13,7 @@
     <a:defPPr>
       <a:defRPr lang="en-US"/>
     </a:defPPr>
-    <a:lvl1pPr marL="0" algn="l" defTabSz="914400" rtl="0" eaLnBrk="1" latinLnBrk="0" hangingPunct="1">
+    <a:lvl1pPr marL="0" algn="l" defTabSz="457200" rtl="0" eaLnBrk="1" latinLnBrk="0" hangingPunct="1">
       <a:defRPr sz="1800" kern="1200">
         <a:solidFill>
           <a:schemeClr val="tx1"/>
@@ -23,7 +23,7 @@
         <a:cs typeface="+mn-cs"/>
       </a:defRPr>
     </a:lvl1pPr>
-    <a:lvl2pPr marL="457200" algn="l" defTabSz="914400" rtl="0" eaLnBrk="1" latinLnBrk="0" hangingPunct="1">
+    <a:lvl2pPr marL="457200" algn="l" defTabSz="457200" rtl="0" eaLnBrk="1" latinLnBrk="0" hangingPunct="1">
       <a:defRPr sz="1800" kern="1200">
         <a:solidFill>
           <a:schemeClr val="tx1"/>
@@ -33,7 +33,7 @@
         <a:cs typeface="+mn-cs"/>
       </a:defRPr>
     </a:lvl2pPr>
-    <a:lvl3pPr marL="914400" algn="l" defTabSz="914400" rtl="0" eaLnBrk="1" latinLnBrk="0" hangingPunct="1">
+    <a:lvl3pPr marL="914400" algn="l" defTabSz="457200" rtl="0" eaLnBrk="1" latinLnBrk="0" hangingPunct="1">
       <a:defRPr sz="1800" kern="1200">
         <a:solidFill>
           <a:schemeClr val="tx1"/>
@@ -43,7 +43,7 @@
         <a:cs typeface="+mn-cs"/>
       </a:defRPr>
     </a:lvl3pPr>
-    <a:lvl4pPr marL="1371600" algn="l" defTabSz="914400" rtl="0" eaLnBrk="1" latinLnBrk="0" hangingPunct="1">
+    <a:lvl4pPr marL="1371600" algn="l" defTabSz="457200" rtl="0" eaLnBrk="1" latinLnBrk="0" hangingPunct="1">
       <a:defRPr sz="1800" kern="1200">
         <a:solidFill>
           <a:schemeClr val="tx1"/>
@@ -53,7 +53,7 @@
         <a:cs typeface="+mn-cs"/>
       </a:defRPr>
     </a:lvl4pPr>
-    <a:lvl5pPr marL="1828800" algn="l" defTabSz="914400" rtl="0" eaLnBrk="1" latinLnBrk="0" hangingPunct="1">
+    <a:lvl5pPr marL="1828800" algn="l" defTabSz="457200" rtl="0" eaLnBrk="1" latinLnBrk="0" hangingPunct="1">
       <a:defRPr sz="1800" kern="1200">
         <a:solidFill>
           <a:schemeClr val="tx1"/>
@@ -63,7 +63,7 @@
         <a:cs typeface="+mn-cs"/>
       </a:defRPr>
     </a:lvl5pPr>
-    <a:lvl6pPr marL="2286000" algn="l" defTabSz="914400" rtl="0" eaLnBrk="1" latinLnBrk="0" hangingPunct="1">
+    <a:lvl6pPr marL="2286000" algn="l" defTabSz="457200" rtl="0" eaLnBrk="1" latinLnBrk="0" hangingPunct="1">
       <a:defRPr sz="1800" kern="1200">
         <a:solidFill>
           <a:schemeClr val="tx1"/>
@@ -73,7 +73,7 @@
         <a:cs typeface="+mn-cs"/>
       </a:defRPr>
     </a:lvl6pPr>
-    <a:lvl7pPr marL="2743200" algn="l" defTabSz="914400" rtl="0" eaLnBrk="1" latinLnBrk="0" hangingPunct="1">
+    <a:lvl7pPr marL="2743200" algn="l" defTabSz="457200" rtl="0" eaLnBrk="1" latinLnBrk="0" hangingPunct="1">
       <a:defRPr sz="1800" kern="1200">
         <a:solidFill>
           <a:schemeClr val="tx1"/>
@@ -83,7 +83,7 @@
         <a:cs typeface="+mn-cs"/>
       </a:defRPr>
     </a:lvl7pPr>
-    <a:lvl8pPr marL="3200400" algn="l" defTabSz="914400" rtl="0" eaLnBrk="1" latinLnBrk="0" hangingPunct="1">
+    <a:lvl8pPr marL="3200400" algn="l" defTabSz="457200" rtl="0" eaLnBrk="1" latinLnBrk="0" hangingPunct="1">
       <a:defRPr sz="1800" kern="1200">
         <a:solidFill>
           <a:schemeClr val="tx1"/>
@@ -93,7 +93,7 @@
         <a:cs typeface="+mn-cs"/>
       </a:defRPr>
     </a:lvl8pPr>
-    <a:lvl9pPr marL="3657600" algn="l" defTabSz="914400" rtl="0" eaLnBrk="1" latinLnBrk="0" hangingPunct="1">
+    <a:lvl9pPr marL="3657600" algn="l" defTabSz="457200" rtl="0" eaLnBrk="1" latinLnBrk="0" hangingPunct="1">
       <a:defRPr sz="1800" kern="1200">
         <a:solidFill>
           <a:schemeClr val="tx1"/>
@@ -131,13 +131,7 @@
       </p:grpSpPr>
       <p:sp>
         <p:nvSpPr>
-          <p:cNvPr id="2" name="Title 1">
-            <a:extLst>
-              <a:ext uri="{FF2B5EF4-FFF2-40B4-BE49-F238E27FC236}">
-                <a16:creationId xmlns:a16="http://schemas.microsoft.com/office/drawing/2014/main" id="{A0509AA9-A9DC-E527-5232-2C9907387C33}"/>
-              </a:ext>
-            </a:extLst>
-          </p:cNvPr>
+          <p:cNvPr id="2" name="Title 1"/>
           <p:cNvSpPr>
             <a:spLocks noGrp="1"/>
           </p:cNvSpPr>
@@ -163,18 +157,13 @@
               <a:rPr lang="en-US"/>
               <a:t>Click to edit Master title style</a:t>
             </a:r>
-          </a:p>
-        </p:txBody>
-      </p:sp>
-      <p:sp>
-        <p:nvSpPr>
-          <p:cNvPr id="3" name="Subtitle 2">
-            <a:extLst>
-              <a:ext uri="{FF2B5EF4-FFF2-40B4-BE49-F238E27FC236}">
-                <a16:creationId xmlns:a16="http://schemas.microsoft.com/office/drawing/2014/main" id="{FE3217FA-75BD-EB1D-23BD-21E011EAE4FA}"/>
-              </a:ext>
-            </a:extLst>
-          </p:cNvPr>
+            <a:endParaRPr lang="en-US" dirty="0"/>
+          </a:p>
+        </p:txBody>
+      </p:sp>
+      <p:sp>
+        <p:nvSpPr>
+          <p:cNvPr id="3" name="Subtitle 2"/>
           <p:cNvSpPr>
             <a:spLocks noGrp="1"/>
           </p:cNvSpPr>
@@ -233,18 +222,13 @@
               <a:rPr lang="en-US"/>
               <a:t>Click to edit Master subtitle style</a:t>
             </a:r>
-          </a:p>
-        </p:txBody>
-      </p:sp>
-      <p:sp>
-        <p:nvSpPr>
-          <p:cNvPr id="4" name="Date Placeholder 3">
-            <a:extLst>
-              <a:ext uri="{FF2B5EF4-FFF2-40B4-BE49-F238E27FC236}">
-                <a16:creationId xmlns:a16="http://schemas.microsoft.com/office/drawing/2014/main" id="{39CB858A-972B-CF7A-ECA6-E9777A667C92}"/>
-              </a:ext>
-            </a:extLst>
-          </p:cNvPr>
+            <a:endParaRPr lang="en-US" dirty="0"/>
+          </a:p>
+        </p:txBody>
+      </p:sp>
+      <p:sp>
+        <p:nvSpPr>
+          <p:cNvPr id="4" name="Date Placeholder 3"/>
           <p:cNvSpPr>
             <a:spLocks noGrp="1"/>
           </p:cNvSpPr>
@@ -267,13 +251,7 @@
       </p:sp>
       <p:sp>
         <p:nvSpPr>
-          <p:cNvPr id="5" name="Footer Placeholder 4">
-            <a:extLst>
-              <a:ext uri="{FF2B5EF4-FFF2-40B4-BE49-F238E27FC236}">
-                <a16:creationId xmlns:a16="http://schemas.microsoft.com/office/drawing/2014/main" id="{5E994AB7-12C5-D2E5-E866-429D59080C79}"/>
-              </a:ext>
-            </a:extLst>
-          </p:cNvPr>
+          <p:cNvPr id="5" name="Footer Placeholder 4"/>
           <p:cNvSpPr>
             <a:spLocks noGrp="1"/>
           </p:cNvSpPr>
@@ -292,13 +270,7 @@
       </p:sp>
       <p:sp>
         <p:nvSpPr>
-          <p:cNvPr id="6" name="Slide Number Placeholder 5">
-            <a:extLst>
-              <a:ext uri="{FF2B5EF4-FFF2-40B4-BE49-F238E27FC236}">
-                <a16:creationId xmlns:a16="http://schemas.microsoft.com/office/drawing/2014/main" id="{F83BCB9B-B864-6061-207C-C6E9DCBCA68F}"/>
-              </a:ext>
-            </a:extLst>
-          </p:cNvPr>
+          <p:cNvPr id="6" name="Slide Number Placeholder 5"/>
           <p:cNvSpPr>
             <a:spLocks noGrp="1"/>
           </p:cNvSpPr>
@@ -322,7 +294,7 @@
     </p:spTree>
     <p:extLst>
       <p:ext uri="{BB962C8B-B14F-4D97-AF65-F5344CB8AC3E}">
-        <p14:creationId xmlns:p14="http://schemas.microsoft.com/office/powerpoint/2010/main" val="3419815086"/>
+        <p14:creationId xmlns:p14="http://schemas.microsoft.com/office/powerpoint/2010/main" val="211762288"/>
       </p:ext>
     </p:extLst>
   </p:cSld>
@@ -351,13 +323,7 @@
       </p:grpSpPr>
       <p:sp>
         <p:nvSpPr>
-          <p:cNvPr id="2" name="Title 1">
-            <a:extLst>
-              <a:ext uri="{FF2B5EF4-FFF2-40B4-BE49-F238E27FC236}">
-                <a16:creationId xmlns:a16="http://schemas.microsoft.com/office/drawing/2014/main" id="{F1190AB8-8989-EB99-6E14-04260507F08E}"/>
-              </a:ext>
-            </a:extLst>
-          </p:cNvPr>
+          <p:cNvPr id="2" name="Title 1"/>
           <p:cNvSpPr>
             <a:spLocks noGrp="1"/>
           </p:cNvSpPr>
@@ -374,18 +340,13 @@
               <a:rPr lang="en-US"/>
               <a:t>Click to edit Master title style</a:t>
             </a:r>
-          </a:p>
-        </p:txBody>
-      </p:sp>
-      <p:sp>
-        <p:nvSpPr>
-          <p:cNvPr id="3" name="Vertical Text Placeholder 2">
-            <a:extLst>
-              <a:ext uri="{FF2B5EF4-FFF2-40B4-BE49-F238E27FC236}">
-                <a16:creationId xmlns:a16="http://schemas.microsoft.com/office/drawing/2014/main" id="{103E8C6A-214C-9EE2-B18C-0F2AA817F184}"/>
-              </a:ext>
-            </a:extLst>
-          </p:cNvPr>
+            <a:endParaRPr lang="en-US" dirty="0"/>
+          </a:p>
+        </p:txBody>
+      </p:sp>
+      <p:sp>
+        <p:nvSpPr>
+          <p:cNvPr id="3" name="Vertical Text Placeholder 2"/>
           <p:cNvSpPr>
             <a:spLocks noGrp="1"/>
           </p:cNvSpPr>
@@ -431,18 +392,13 @@
               <a:rPr lang="en-US"/>
               <a:t>Fifth level</a:t>
             </a:r>
-          </a:p>
-        </p:txBody>
-      </p:sp>
-      <p:sp>
-        <p:nvSpPr>
-          <p:cNvPr id="4" name="Date Placeholder 3">
-            <a:extLst>
-              <a:ext uri="{FF2B5EF4-FFF2-40B4-BE49-F238E27FC236}">
-                <a16:creationId xmlns:a16="http://schemas.microsoft.com/office/drawing/2014/main" id="{0210D3AB-B8A1-DD8D-E65B-742840EB7EE7}"/>
-              </a:ext>
-            </a:extLst>
-          </p:cNvPr>
+            <a:endParaRPr lang="en-US" dirty="0"/>
+          </a:p>
+        </p:txBody>
+      </p:sp>
+      <p:sp>
+        <p:nvSpPr>
+          <p:cNvPr id="4" name="Date Placeholder 3"/>
           <p:cNvSpPr>
             <a:spLocks noGrp="1"/>
           </p:cNvSpPr>
@@ -465,13 +421,7 @@
       </p:sp>
       <p:sp>
         <p:nvSpPr>
-          <p:cNvPr id="5" name="Footer Placeholder 4">
-            <a:extLst>
-              <a:ext uri="{FF2B5EF4-FFF2-40B4-BE49-F238E27FC236}">
-                <a16:creationId xmlns:a16="http://schemas.microsoft.com/office/drawing/2014/main" id="{56CA9DFE-CE6C-1003-D760-CF57375B5158}"/>
-              </a:ext>
-            </a:extLst>
-          </p:cNvPr>
+          <p:cNvPr id="5" name="Footer Placeholder 4"/>
           <p:cNvSpPr>
             <a:spLocks noGrp="1"/>
           </p:cNvSpPr>
@@ -490,13 +440,7 @@
       </p:sp>
       <p:sp>
         <p:nvSpPr>
-          <p:cNvPr id="6" name="Slide Number Placeholder 5">
-            <a:extLst>
-              <a:ext uri="{FF2B5EF4-FFF2-40B4-BE49-F238E27FC236}">
-                <a16:creationId xmlns:a16="http://schemas.microsoft.com/office/drawing/2014/main" id="{DD160B1E-0EAD-936F-53FC-3D8BE61C306B}"/>
-              </a:ext>
-            </a:extLst>
-          </p:cNvPr>
+          <p:cNvPr id="6" name="Slide Number Placeholder 5"/>
           <p:cNvSpPr>
             <a:spLocks noGrp="1"/>
           </p:cNvSpPr>
@@ -520,7 +464,7 @@
     </p:spTree>
     <p:extLst>
       <p:ext uri="{BB962C8B-B14F-4D97-AF65-F5344CB8AC3E}">
-        <p14:creationId xmlns:p14="http://schemas.microsoft.com/office/powerpoint/2010/main" val="1278291094"/>
+        <p14:creationId xmlns:p14="http://schemas.microsoft.com/office/powerpoint/2010/main" val="2914754271"/>
       </p:ext>
     </p:extLst>
   </p:cSld>
@@ -549,13 +493,7 @@
       </p:grpSpPr>
       <p:sp>
         <p:nvSpPr>
-          <p:cNvPr id="2" name="Vertical Title 1">
-            <a:extLst>
-              <a:ext uri="{FF2B5EF4-FFF2-40B4-BE49-F238E27FC236}">
-                <a16:creationId xmlns:a16="http://schemas.microsoft.com/office/drawing/2014/main" id="{B4BEB9ED-936C-3557-3D44-317ED35B8C23}"/>
-              </a:ext>
-            </a:extLst>
-          </p:cNvPr>
+          <p:cNvPr id="2" name="Vertical Title 1"/>
           <p:cNvSpPr>
             <a:spLocks noGrp="1"/>
           </p:cNvSpPr>
@@ -577,18 +515,13 @@
               <a:rPr lang="en-US"/>
               <a:t>Click to edit Master title style</a:t>
             </a:r>
-          </a:p>
-        </p:txBody>
-      </p:sp>
-      <p:sp>
-        <p:nvSpPr>
-          <p:cNvPr id="3" name="Vertical Text Placeholder 2">
-            <a:extLst>
-              <a:ext uri="{FF2B5EF4-FFF2-40B4-BE49-F238E27FC236}">
-                <a16:creationId xmlns:a16="http://schemas.microsoft.com/office/drawing/2014/main" id="{4530EC3B-20F5-4B99-4303-3B7A1764B692}"/>
-              </a:ext>
-            </a:extLst>
-          </p:cNvPr>
+            <a:endParaRPr lang="en-US" dirty="0"/>
+          </a:p>
+        </p:txBody>
+      </p:sp>
+      <p:sp>
+        <p:nvSpPr>
+          <p:cNvPr id="3" name="Vertical Text Placeholder 2"/>
           <p:cNvSpPr>
             <a:spLocks noGrp="1"/>
           </p:cNvSpPr>
@@ -639,18 +572,13 @@
               <a:rPr lang="en-US"/>
               <a:t>Fifth level</a:t>
             </a:r>
-          </a:p>
-        </p:txBody>
-      </p:sp>
-      <p:sp>
-        <p:nvSpPr>
-          <p:cNvPr id="4" name="Date Placeholder 3">
-            <a:extLst>
-              <a:ext uri="{FF2B5EF4-FFF2-40B4-BE49-F238E27FC236}">
-                <a16:creationId xmlns:a16="http://schemas.microsoft.com/office/drawing/2014/main" id="{375CDC8E-21F3-8485-9CCD-01F99714A807}"/>
-              </a:ext>
-            </a:extLst>
-          </p:cNvPr>
+            <a:endParaRPr lang="en-US" dirty="0"/>
+          </a:p>
+        </p:txBody>
+      </p:sp>
+      <p:sp>
+        <p:nvSpPr>
+          <p:cNvPr id="4" name="Date Placeholder 3"/>
           <p:cNvSpPr>
             <a:spLocks noGrp="1"/>
           </p:cNvSpPr>
@@ -673,13 +601,7 @@
       </p:sp>
       <p:sp>
         <p:nvSpPr>
-          <p:cNvPr id="5" name="Footer Placeholder 4">
-            <a:extLst>
-              <a:ext uri="{FF2B5EF4-FFF2-40B4-BE49-F238E27FC236}">
-                <a16:creationId xmlns:a16="http://schemas.microsoft.com/office/drawing/2014/main" id="{8344EBDB-3829-82C7-251C-7A08352910F2}"/>
-              </a:ext>
-            </a:extLst>
-          </p:cNvPr>
+          <p:cNvPr id="5" name="Footer Placeholder 4"/>
           <p:cNvSpPr>
             <a:spLocks noGrp="1"/>
           </p:cNvSpPr>
@@ -698,13 +620,7 @@
       </p:sp>
       <p:sp>
         <p:nvSpPr>
-          <p:cNvPr id="6" name="Slide Number Placeholder 5">
-            <a:extLst>
-              <a:ext uri="{FF2B5EF4-FFF2-40B4-BE49-F238E27FC236}">
-                <a16:creationId xmlns:a16="http://schemas.microsoft.com/office/drawing/2014/main" id="{1933CA12-8A79-3FC4-3443-4D04FAFFC5EE}"/>
-              </a:ext>
-            </a:extLst>
-          </p:cNvPr>
+          <p:cNvPr id="6" name="Slide Number Placeholder 5"/>
           <p:cNvSpPr>
             <a:spLocks noGrp="1"/>
           </p:cNvSpPr>
@@ -728,7 +644,7 @@
     </p:spTree>
     <p:extLst>
       <p:ext uri="{BB962C8B-B14F-4D97-AF65-F5344CB8AC3E}">
-        <p14:creationId xmlns:p14="http://schemas.microsoft.com/office/powerpoint/2010/main" val="4278279642"/>
+        <p14:creationId xmlns:p14="http://schemas.microsoft.com/office/powerpoint/2010/main" val="3955534763"/>
       </p:ext>
     </p:extLst>
   </p:cSld>
@@ -757,13 +673,7 @@
       </p:grpSpPr>
       <p:sp>
         <p:nvSpPr>
-          <p:cNvPr id="2" name="Title 1">
-            <a:extLst>
-              <a:ext uri="{FF2B5EF4-FFF2-40B4-BE49-F238E27FC236}">
-                <a16:creationId xmlns:a16="http://schemas.microsoft.com/office/drawing/2014/main" id="{A30ACF91-AA57-B9D5-4E2F-7F7B9D59F45F}"/>
-              </a:ext>
-            </a:extLst>
-          </p:cNvPr>
+          <p:cNvPr id="2" name="Title 1"/>
           <p:cNvSpPr>
             <a:spLocks noGrp="1"/>
           </p:cNvSpPr>
@@ -780,18 +690,13 @@
               <a:rPr lang="en-US"/>
               <a:t>Click to edit Master title style</a:t>
             </a:r>
-          </a:p>
-        </p:txBody>
-      </p:sp>
-      <p:sp>
-        <p:nvSpPr>
-          <p:cNvPr id="3" name="Content Placeholder 2">
-            <a:extLst>
-              <a:ext uri="{FF2B5EF4-FFF2-40B4-BE49-F238E27FC236}">
-                <a16:creationId xmlns:a16="http://schemas.microsoft.com/office/drawing/2014/main" id="{B2338438-2214-CD15-3D37-A2DEB02E5A56}"/>
-              </a:ext>
-            </a:extLst>
-          </p:cNvPr>
+            <a:endParaRPr lang="en-US" dirty="0"/>
+          </a:p>
+        </p:txBody>
+      </p:sp>
+      <p:sp>
+        <p:nvSpPr>
+          <p:cNvPr id="3" name="Content Placeholder 2"/>
           <p:cNvSpPr>
             <a:spLocks noGrp="1"/>
           </p:cNvSpPr>
@@ -837,18 +742,13 @@
               <a:rPr lang="en-US"/>
               <a:t>Fifth level</a:t>
             </a:r>
-          </a:p>
-        </p:txBody>
-      </p:sp>
-      <p:sp>
-        <p:nvSpPr>
-          <p:cNvPr id="4" name="Date Placeholder 3">
-            <a:extLst>
-              <a:ext uri="{FF2B5EF4-FFF2-40B4-BE49-F238E27FC236}">
-                <a16:creationId xmlns:a16="http://schemas.microsoft.com/office/drawing/2014/main" id="{7D567215-61E3-C41D-D7AF-A4547256065B}"/>
-              </a:ext>
-            </a:extLst>
-          </p:cNvPr>
+            <a:endParaRPr lang="en-US" dirty="0"/>
+          </a:p>
+        </p:txBody>
+      </p:sp>
+      <p:sp>
+        <p:nvSpPr>
+          <p:cNvPr id="4" name="Date Placeholder 3"/>
           <p:cNvSpPr>
             <a:spLocks noGrp="1"/>
           </p:cNvSpPr>
@@ -871,13 +771,7 @@
       </p:sp>
       <p:sp>
         <p:nvSpPr>
-          <p:cNvPr id="5" name="Footer Placeholder 4">
-            <a:extLst>
-              <a:ext uri="{FF2B5EF4-FFF2-40B4-BE49-F238E27FC236}">
-                <a16:creationId xmlns:a16="http://schemas.microsoft.com/office/drawing/2014/main" id="{84B9F8E0-CE5B-466D-D4CF-7D887DCE0873}"/>
-              </a:ext>
-            </a:extLst>
-          </p:cNvPr>
+          <p:cNvPr id="5" name="Footer Placeholder 4"/>
           <p:cNvSpPr>
             <a:spLocks noGrp="1"/>
           </p:cNvSpPr>
@@ -896,13 +790,7 @@
       </p:sp>
       <p:sp>
         <p:nvSpPr>
-          <p:cNvPr id="6" name="Slide Number Placeholder 5">
-            <a:extLst>
-              <a:ext uri="{FF2B5EF4-FFF2-40B4-BE49-F238E27FC236}">
-                <a16:creationId xmlns:a16="http://schemas.microsoft.com/office/drawing/2014/main" id="{79BEA9AE-CFEB-678E-2CA1-D8C215D0D634}"/>
-              </a:ext>
-            </a:extLst>
-          </p:cNvPr>
+          <p:cNvPr id="6" name="Slide Number Placeholder 5"/>
           <p:cNvSpPr>
             <a:spLocks noGrp="1"/>
           </p:cNvSpPr>
@@ -926,7 +814,7 @@
     </p:spTree>
     <p:extLst>
       <p:ext uri="{BB962C8B-B14F-4D97-AF65-F5344CB8AC3E}">
-        <p14:creationId xmlns:p14="http://schemas.microsoft.com/office/powerpoint/2010/main" val="2510017648"/>
+        <p14:creationId xmlns:p14="http://schemas.microsoft.com/office/powerpoint/2010/main" val="745322734"/>
       </p:ext>
     </p:extLst>
   </p:cSld>
@@ -955,13 +843,7 @@
       </p:grpSpPr>
       <p:sp>
         <p:nvSpPr>
-          <p:cNvPr id="2" name="Title 1">
-            <a:extLst>
-              <a:ext uri="{FF2B5EF4-FFF2-40B4-BE49-F238E27FC236}">
-                <a16:creationId xmlns:a16="http://schemas.microsoft.com/office/drawing/2014/main" id="{B8E8659B-07E5-7237-39B9-900CDEB6CB4C}"/>
-              </a:ext>
-            </a:extLst>
-          </p:cNvPr>
+          <p:cNvPr id="2" name="Title 1"/>
           <p:cNvSpPr>
             <a:spLocks noGrp="1"/>
           </p:cNvSpPr>
@@ -987,18 +869,13 @@
               <a:rPr lang="en-US"/>
               <a:t>Click to edit Master title style</a:t>
             </a:r>
-          </a:p>
-        </p:txBody>
-      </p:sp>
-      <p:sp>
-        <p:nvSpPr>
-          <p:cNvPr id="3" name="Text Placeholder 2">
-            <a:extLst>
-              <a:ext uri="{FF2B5EF4-FFF2-40B4-BE49-F238E27FC236}">
-                <a16:creationId xmlns:a16="http://schemas.microsoft.com/office/drawing/2014/main" id="{63DFBACE-5C57-3165-6628-C1D08D557327}"/>
-              </a:ext>
-            </a:extLst>
-          </p:cNvPr>
+            <a:endParaRPr lang="en-US" dirty="0"/>
+          </a:p>
+        </p:txBody>
+      </p:sp>
+      <p:sp>
+        <p:nvSpPr>
+          <p:cNvPr id="3" name="Text Placeholder 2"/>
           <p:cNvSpPr>
             <a:spLocks noGrp="1"/>
           </p:cNvSpPr>
@@ -1117,13 +994,7 @@
       </p:sp>
       <p:sp>
         <p:nvSpPr>
-          <p:cNvPr id="4" name="Date Placeholder 3">
-            <a:extLst>
-              <a:ext uri="{FF2B5EF4-FFF2-40B4-BE49-F238E27FC236}">
-                <a16:creationId xmlns:a16="http://schemas.microsoft.com/office/drawing/2014/main" id="{950CDD40-A434-FB13-35C3-8CD9D4B4C9CE}"/>
-              </a:ext>
-            </a:extLst>
-          </p:cNvPr>
+          <p:cNvPr id="4" name="Date Placeholder 3"/>
           <p:cNvSpPr>
             <a:spLocks noGrp="1"/>
           </p:cNvSpPr>
@@ -1146,13 +1017,7 @@
       </p:sp>
       <p:sp>
         <p:nvSpPr>
-          <p:cNvPr id="5" name="Footer Placeholder 4">
-            <a:extLst>
-              <a:ext uri="{FF2B5EF4-FFF2-40B4-BE49-F238E27FC236}">
-                <a16:creationId xmlns:a16="http://schemas.microsoft.com/office/drawing/2014/main" id="{377CDBA6-B44B-0495-C2B8-5A7D7FA9DFA1}"/>
-              </a:ext>
-            </a:extLst>
-          </p:cNvPr>
+          <p:cNvPr id="5" name="Footer Placeholder 4"/>
           <p:cNvSpPr>
             <a:spLocks noGrp="1"/>
           </p:cNvSpPr>
@@ -1171,13 +1036,7 @@
       </p:sp>
       <p:sp>
         <p:nvSpPr>
-          <p:cNvPr id="6" name="Slide Number Placeholder 5">
-            <a:extLst>
-              <a:ext uri="{FF2B5EF4-FFF2-40B4-BE49-F238E27FC236}">
-                <a16:creationId xmlns:a16="http://schemas.microsoft.com/office/drawing/2014/main" id="{8E777F5A-2296-BD06-D987-78F11CA4052A}"/>
-              </a:ext>
-            </a:extLst>
-          </p:cNvPr>
+          <p:cNvPr id="6" name="Slide Number Placeholder 5"/>
           <p:cNvSpPr>
             <a:spLocks noGrp="1"/>
           </p:cNvSpPr>
@@ -1201,7 +1060,7 @@
     </p:spTree>
     <p:extLst>
       <p:ext uri="{BB962C8B-B14F-4D97-AF65-F5344CB8AC3E}">
-        <p14:creationId xmlns:p14="http://schemas.microsoft.com/office/powerpoint/2010/main" val="711949256"/>
+        <p14:creationId xmlns:p14="http://schemas.microsoft.com/office/powerpoint/2010/main" val="577944226"/>
       </p:ext>
     </p:extLst>
   </p:cSld>
@@ -1230,13 +1089,7 @@
       </p:grpSpPr>
       <p:sp>
         <p:nvSpPr>
-          <p:cNvPr id="2" name="Title 1">
-            <a:extLst>
-              <a:ext uri="{FF2B5EF4-FFF2-40B4-BE49-F238E27FC236}">
-                <a16:creationId xmlns:a16="http://schemas.microsoft.com/office/drawing/2014/main" id="{9715FFAA-B163-2E58-6A78-00588C7C98CA}"/>
-              </a:ext>
-            </a:extLst>
-          </p:cNvPr>
+          <p:cNvPr id="2" name="Title 1"/>
           <p:cNvSpPr>
             <a:spLocks noGrp="1"/>
           </p:cNvSpPr>
@@ -1253,18 +1106,13 @@
               <a:rPr lang="en-US"/>
               <a:t>Click to edit Master title style</a:t>
             </a:r>
-          </a:p>
-        </p:txBody>
-      </p:sp>
-      <p:sp>
-        <p:nvSpPr>
-          <p:cNvPr id="3" name="Content Placeholder 2">
-            <a:extLst>
-              <a:ext uri="{FF2B5EF4-FFF2-40B4-BE49-F238E27FC236}">
-                <a16:creationId xmlns:a16="http://schemas.microsoft.com/office/drawing/2014/main" id="{6F9D87DC-BBD4-34B3-C60F-56FE728AF31B}"/>
-              </a:ext>
-            </a:extLst>
-          </p:cNvPr>
+            <a:endParaRPr lang="en-US" dirty="0"/>
+          </a:p>
+        </p:txBody>
+      </p:sp>
+      <p:sp>
+        <p:nvSpPr>
+          <p:cNvPr id="3" name="Content Placeholder 2"/>
           <p:cNvSpPr>
             <a:spLocks noGrp="1"/>
           </p:cNvSpPr>
@@ -1315,18 +1163,13 @@
               <a:rPr lang="en-US"/>
               <a:t>Fifth level</a:t>
             </a:r>
-          </a:p>
-        </p:txBody>
-      </p:sp>
-      <p:sp>
-        <p:nvSpPr>
-          <p:cNvPr id="4" name="Content Placeholder 3">
-            <a:extLst>
-              <a:ext uri="{FF2B5EF4-FFF2-40B4-BE49-F238E27FC236}">
-                <a16:creationId xmlns:a16="http://schemas.microsoft.com/office/drawing/2014/main" id="{13119905-8547-B41E-95BF-2A514BEE458E}"/>
-              </a:ext>
-            </a:extLst>
-          </p:cNvPr>
+            <a:endParaRPr lang="en-US" dirty="0"/>
+          </a:p>
+        </p:txBody>
+      </p:sp>
+      <p:sp>
+        <p:nvSpPr>
+          <p:cNvPr id="4" name="Content Placeholder 3"/>
           <p:cNvSpPr>
             <a:spLocks noGrp="1"/>
           </p:cNvSpPr>
@@ -1377,18 +1220,13 @@
               <a:rPr lang="en-US"/>
               <a:t>Fifth level</a:t>
             </a:r>
-          </a:p>
-        </p:txBody>
-      </p:sp>
-      <p:sp>
-        <p:nvSpPr>
-          <p:cNvPr id="5" name="Date Placeholder 4">
-            <a:extLst>
-              <a:ext uri="{FF2B5EF4-FFF2-40B4-BE49-F238E27FC236}">
-                <a16:creationId xmlns:a16="http://schemas.microsoft.com/office/drawing/2014/main" id="{11EA5956-3630-C5F9-BFD7-75760C514F20}"/>
-              </a:ext>
-            </a:extLst>
-          </p:cNvPr>
+            <a:endParaRPr lang="en-US" dirty="0"/>
+          </a:p>
+        </p:txBody>
+      </p:sp>
+      <p:sp>
+        <p:nvSpPr>
+          <p:cNvPr id="5" name="Date Placeholder 4"/>
           <p:cNvSpPr>
             <a:spLocks noGrp="1"/>
           </p:cNvSpPr>
@@ -1411,13 +1249,7 @@
       </p:sp>
       <p:sp>
         <p:nvSpPr>
-          <p:cNvPr id="6" name="Footer Placeholder 5">
-            <a:extLst>
-              <a:ext uri="{FF2B5EF4-FFF2-40B4-BE49-F238E27FC236}">
-                <a16:creationId xmlns:a16="http://schemas.microsoft.com/office/drawing/2014/main" id="{E0769EEC-54A7-1CE3-2753-2C1AAE6E75B9}"/>
-              </a:ext>
-            </a:extLst>
-          </p:cNvPr>
+          <p:cNvPr id="6" name="Footer Placeholder 5"/>
           <p:cNvSpPr>
             <a:spLocks noGrp="1"/>
           </p:cNvSpPr>
@@ -1436,13 +1268,7 @@
       </p:sp>
       <p:sp>
         <p:nvSpPr>
-          <p:cNvPr id="7" name="Slide Number Placeholder 6">
-            <a:extLst>
-              <a:ext uri="{FF2B5EF4-FFF2-40B4-BE49-F238E27FC236}">
-                <a16:creationId xmlns:a16="http://schemas.microsoft.com/office/drawing/2014/main" id="{6834EDE6-E545-E33C-1CCB-8DC32FFBDE60}"/>
-              </a:ext>
-            </a:extLst>
-          </p:cNvPr>
+          <p:cNvPr id="7" name="Slide Number Placeholder 6"/>
           <p:cNvSpPr>
             <a:spLocks noGrp="1"/>
           </p:cNvSpPr>
@@ -1466,7 +1292,7 @@
     </p:spTree>
     <p:extLst>
       <p:ext uri="{BB962C8B-B14F-4D97-AF65-F5344CB8AC3E}">
-        <p14:creationId xmlns:p14="http://schemas.microsoft.com/office/powerpoint/2010/main" val="3839677278"/>
+        <p14:creationId xmlns:p14="http://schemas.microsoft.com/office/powerpoint/2010/main" val="877642547"/>
       </p:ext>
     </p:extLst>
   </p:cSld>
@@ -1495,13 +1321,7 @@
       </p:grpSpPr>
       <p:sp>
         <p:nvSpPr>
-          <p:cNvPr id="2" name="Title 1">
-            <a:extLst>
-              <a:ext uri="{FF2B5EF4-FFF2-40B4-BE49-F238E27FC236}">
-                <a16:creationId xmlns:a16="http://schemas.microsoft.com/office/drawing/2014/main" id="{965F8885-F1D5-A85E-4A36-EFD4BD8119C1}"/>
-              </a:ext>
-            </a:extLst>
-          </p:cNvPr>
+          <p:cNvPr id="2" name="Title 1"/>
           <p:cNvSpPr>
             <a:spLocks noGrp="1"/>
           </p:cNvSpPr>
@@ -1523,18 +1343,13 @@
               <a:rPr lang="en-US"/>
               <a:t>Click to edit Master title style</a:t>
             </a:r>
-          </a:p>
-        </p:txBody>
-      </p:sp>
-      <p:sp>
-        <p:nvSpPr>
-          <p:cNvPr id="3" name="Text Placeholder 2">
-            <a:extLst>
-              <a:ext uri="{FF2B5EF4-FFF2-40B4-BE49-F238E27FC236}">
-                <a16:creationId xmlns:a16="http://schemas.microsoft.com/office/drawing/2014/main" id="{C2B480D9-3748-A302-852A-CC7B162A6052}"/>
-              </a:ext>
-            </a:extLst>
-          </p:cNvPr>
+            <a:endParaRPr lang="en-US" dirty="0"/>
+          </a:p>
+        </p:txBody>
+      </p:sp>
+      <p:sp>
+        <p:nvSpPr>
+          <p:cNvPr id="3" name="Text Placeholder 2"/>
           <p:cNvSpPr>
             <a:spLocks noGrp="1"/>
           </p:cNvSpPr>
@@ -1599,13 +1414,7 @@
       </p:sp>
       <p:sp>
         <p:nvSpPr>
-          <p:cNvPr id="4" name="Content Placeholder 3">
-            <a:extLst>
-              <a:ext uri="{FF2B5EF4-FFF2-40B4-BE49-F238E27FC236}">
-                <a16:creationId xmlns:a16="http://schemas.microsoft.com/office/drawing/2014/main" id="{2374115C-84D4-2D90-8EB5-E86F6E131C0D}"/>
-              </a:ext>
-            </a:extLst>
-          </p:cNvPr>
+          <p:cNvPr id="4" name="Content Placeholder 3"/>
           <p:cNvSpPr>
             <a:spLocks noGrp="1"/>
           </p:cNvSpPr>
@@ -1656,18 +1465,13 @@
               <a:rPr lang="en-US"/>
               <a:t>Fifth level</a:t>
             </a:r>
-          </a:p>
-        </p:txBody>
-      </p:sp>
-      <p:sp>
-        <p:nvSpPr>
-          <p:cNvPr id="5" name="Text Placeholder 4">
-            <a:extLst>
-              <a:ext uri="{FF2B5EF4-FFF2-40B4-BE49-F238E27FC236}">
-                <a16:creationId xmlns:a16="http://schemas.microsoft.com/office/drawing/2014/main" id="{C298046A-C4BB-52C2-9619-C476B2D53196}"/>
-              </a:ext>
-            </a:extLst>
-          </p:cNvPr>
+            <a:endParaRPr lang="en-US" dirty="0"/>
+          </a:p>
+        </p:txBody>
+      </p:sp>
+      <p:sp>
+        <p:nvSpPr>
+          <p:cNvPr id="5" name="Text Placeholder 4"/>
           <p:cNvSpPr>
             <a:spLocks noGrp="1"/>
           </p:cNvSpPr>
@@ -1732,13 +1536,7 @@
       </p:sp>
       <p:sp>
         <p:nvSpPr>
-          <p:cNvPr id="6" name="Content Placeholder 5">
-            <a:extLst>
-              <a:ext uri="{FF2B5EF4-FFF2-40B4-BE49-F238E27FC236}">
-                <a16:creationId xmlns:a16="http://schemas.microsoft.com/office/drawing/2014/main" id="{8521087B-F426-EEB1-E6CB-D6602A694883}"/>
-              </a:ext>
-            </a:extLst>
-          </p:cNvPr>
+          <p:cNvPr id="6" name="Content Placeholder 5"/>
           <p:cNvSpPr>
             <a:spLocks noGrp="1"/>
           </p:cNvSpPr>
@@ -1789,18 +1587,13 @@
               <a:rPr lang="en-US"/>
               <a:t>Fifth level</a:t>
             </a:r>
-          </a:p>
-        </p:txBody>
-      </p:sp>
-      <p:sp>
-        <p:nvSpPr>
-          <p:cNvPr id="7" name="Date Placeholder 6">
-            <a:extLst>
-              <a:ext uri="{FF2B5EF4-FFF2-40B4-BE49-F238E27FC236}">
-                <a16:creationId xmlns:a16="http://schemas.microsoft.com/office/drawing/2014/main" id="{E852FF24-0B67-CC64-91FB-1D584525B1B8}"/>
-              </a:ext>
-            </a:extLst>
-          </p:cNvPr>
+            <a:endParaRPr lang="en-US" dirty="0"/>
+          </a:p>
+        </p:txBody>
+      </p:sp>
+      <p:sp>
+        <p:nvSpPr>
+          <p:cNvPr id="7" name="Date Placeholder 6"/>
           <p:cNvSpPr>
             <a:spLocks noGrp="1"/>
           </p:cNvSpPr>
@@ -1823,13 +1616,7 @@
       </p:sp>
       <p:sp>
         <p:nvSpPr>
-          <p:cNvPr id="8" name="Footer Placeholder 7">
-            <a:extLst>
-              <a:ext uri="{FF2B5EF4-FFF2-40B4-BE49-F238E27FC236}">
-                <a16:creationId xmlns:a16="http://schemas.microsoft.com/office/drawing/2014/main" id="{C3D925BE-3E76-F0F2-CA7F-E56A434243EA}"/>
-              </a:ext>
-            </a:extLst>
-          </p:cNvPr>
+          <p:cNvPr id="8" name="Footer Placeholder 7"/>
           <p:cNvSpPr>
             <a:spLocks noGrp="1"/>
           </p:cNvSpPr>
@@ -1848,13 +1635,7 @@
       </p:sp>
       <p:sp>
         <p:nvSpPr>
-          <p:cNvPr id="9" name="Slide Number Placeholder 8">
-            <a:extLst>
-              <a:ext uri="{FF2B5EF4-FFF2-40B4-BE49-F238E27FC236}">
-                <a16:creationId xmlns:a16="http://schemas.microsoft.com/office/drawing/2014/main" id="{67C9E021-4A2F-D5A7-F1A3-27811D29ADAC}"/>
-              </a:ext>
-            </a:extLst>
-          </p:cNvPr>
+          <p:cNvPr id="9" name="Slide Number Placeholder 8"/>
           <p:cNvSpPr>
             <a:spLocks noGrp="1"/>
           </p:cNvSpPr>
@@ -1878,7 +1659,7 @@
     </p:spTree>
     <p:extLst>
       <p:ext uri="{BB962C8B-B14F-4D97-AF65-F5344CB8AC3E}">
-        <p14:creationId xmlns:p14="http://schemas.microsoft.com/office/powerpoint/2010/main" val="2641225613"/>
+        <p14:creationId xmlns:p14="http://schemas.microsoft.com/office/powerpoint/2010/main" val="3342618796"/>
       </p:ext>
     </p:extLst>
   </p:cSld>
@@ -1907,13 +1688,7 @@
       </p:grpSpPr>
       <p:sp>
         <p:nvSpPr>
-          <p:cNvPr id="2" name="Title 1">
-            <a:extLst>
-              <a:ext uri="{FF2B5EF4-FFF2-40B4-BE49-F238E27FC236}">
-                <a16:creationId xmlns:a16="http://schemas.microsoft.com/office/drawing/2014/main" id="{8A8F16BB-74EC-BCC8-F90E-CEFD3B591557}"/>
-              </a:ext>
-            </a:extLst>
-          </p:cNvPr>
+          <p:cNvPr id="2" name="Title 1"/>
           <p:cNvSpPr>
             <a:spLocks noGrp="1"/>
           </p:cNvSpPr>
@@ -1930,18 +1705,13 @@
               <a:rPr lang="en-US"/>
               <a:t>Click to edit Master title style</a:t>
             </a:r>
-          </a:p>
-        </p:txBody>
-      </p:sp>
-      <p:sp>
-        <p:nvSpPr>
-          <p:cNvPr id="3" name="Date Placeholder 2">
-            <a:extLst>
-              <a:ext uri="{FF2B5EF4-FFF2-40B4-BE49-F238E27FC236}">
-                <a16:creationId xmlns:a16="http://schemas.microsoft.com/office/drawing/2014/main" id="{9F170D06-4B7F-49BE-7F58-7AB3FB59E28E}"/>
-              </a:ext>
-            </a:extLst>
-          </p:cNvPr>
+            <a:endParaRPr lang="en-US" dirty="0"/>
+          </a:p>
+        </p:txBody>
+      </p:sp>
+      <p:sp>
+        <p:nvSpPr>
+          <p:cNvPr id="3" name="Date Placeholder 2"/>
           <p:cNvSpPr>
             <a:spLocks noGrp="1"/>
           </p:cNvSpPr>
@@ -1964,13 +1734,7 @@
       </p:sp>
       <p:sp>
         <p:nvSpPr>
-          <p:cNvPr id="4" name="Footer Placeholder 3">
-            <a:extLst>
-              <a:ext uri="{FF2B5EF4-FFF2-40B4-BE49-F238E27FC236}">
-                <a16:creationId xmlns:a16="http://schemas.microsoft.com/office/drawing/2014/main" id="{5D27980C-85DA-EC5E-7411-EFFACC3DFE1C}"/>
-              </a:ext>
-            </a:extLst>
-          </p:cNvPr>
+          <p:cNvPr id="4" name="Footer Placeholder 3"/>
           <p:cNvSpPr>
             <a:spLocks noGrp="1"/>
           </p:cNvSpPr>
@@ -1989,13 +1753,7 @@
       </p:sp>
       <p:sp>
         <p:nvSpPr>
-          <p:cNvPr id="5" name="Slide Number Placeholder 4">
-            <a:extLst>
-              <a:ext uri="{FF2B5EF4-FFF2-40B4-BE49-F238E27FC236}">
-                <a16:creationId xmlns:a16="http://schemas.microsoft.com/office/drawing/2014/main" id="{ED70A90D-8879-5DC9-1069-576677D7BCCE}"/>
-              </a:ext>
-            </a:extLst>
-          </p:cNvPr>
+          <p:cNvPr id="5" name="Slide Number Placeholder 4"/>
           <p:cNvSpPr>
             <a:spLocks noGrp="1"/>
           </p:cNvSpPr>
@@ -2019,7 +1777,7 @@
     </p:spTree>
     <p:extLst>
       <p:ext uri="{BB962C8B-B14F-4D97-AF65-F5344CB8AC3E}">
-        <p14:creationId xmlns:p14="http://schemas.microsoft.com/office/powerpoint/2010/main" val="356937616"/>
+        <p14:creationId xmlns:p14="http://schemas.microsoft.com/office/powerpoint/2010/main" val="3920081021"/>
       </p:ext>
     </p:extLst>
   </p:cSld>
@@ -2048,13 +1806,7 @@
       </p:grpSpPr>
       <p:sp>
         <p:nvSpPr>
-          <p:cNvPr id="2" name="Date Placeholder 1">
-            <a:extLst>
-              <a:ext uri="{FF2B5EF4-FFF2-40B4-BE49-F238E27FC236}">
-                <a16:creationId xmlns:a16="http://schemas.microsoft.com/office/drawing/2014/main" id="{09C0BF8D-8712-3EE1-50E9-A0FC3371CADB}"/>
-              </a:ext>
-            </a:extLst>
-          </p:cNvPr>
+          <p:cNvPr id="2" name="Date Placeholder 1"/>
           <p:cNvSpPr>
             <a:spLocks noGrp="1"/>
           </p:cNvSpPr>
@@ -2077,13 +1829,7 @@
       </p:sp>
       <p:sp>
         <p:nvSpPr>
-          <p:cNvPr id="3" name="Footer Placeholder 2">
-            <a:extLst>
-              <a:ext uri="{FF2B5EF4-FFF2-40B4-BE49-F238E27FC236}">
-                <a16:creationId xmlns:a16="http://schemas.microsoft.com/office/drawing/2014/main" id="{F243439E-431E-AB47-F0B3-D2411BCDA1CE}"/>
-              </a:ext>
-            </a:extLst>
-          </p:cNvPr>
+          <p:cNvPr id="3" name="Footer Placeholder 2"/>
           <p:cNvSpPr>
             <a:spLocks noGrp="1"/>
           </p:cNvSpPr>
@@ -2102,13 +1848,7 @@
       </p:sp>
       <p:sp>
         <p:nvSpPr>
-          <p:cNvPr id="4" name="Slide Number Placeholder 3">
-            <a:extLst>
-              <a:ext uri="{FF2B5EF4-FFF2-40B4-BE49-F238E27FC236}">
-                <a16:creationId xmlns:a16="http://schemas.microsoft.com/office/drawing/2014/main" id="{F96FCA85-9125-1765-5812-B6D463F521AF}"/>
-              </a:ext>
-            </a:extLst>
-          </p:cNvPr>
+          <p:cNvPr id="4" name="Slide Number Placeholder 3"/>
           <p:cNvSpPr>
             <a:spLocks noGrp="1"/>
           </p:cNvSpPr>
@@ -2132,7 +1872,7 @@
     </p:spTree>
     <p:extLst>
       <p:ext uri="{BB962C8B-B14F-4D97-AF65-F5344CB8AC3E}">
-        <p14:creationId xmlns:p14="http://schemas.microsoft.com/office/powerpoint/2010/main" val="330131844"/>
+        <p14:creationId xmlns:p14="http://schemas.microsoft.com/office/powerpoint/2010/main" val="3888834002"/>
       </p:ext>
     </p:extLst>
   </p:cSld>
@@ -2161,13 +1901,7 @@
       </p:grpSpPr>
       <p:sp>
         <p:nvSpPr>
-          <p:cNvPr id="2" name="Title 1">
-            <a:extLst>
-              <a:ext uri="{FF2B5EF4-FFF2-40B4-BE49-F238E27FC236}">
-                <a16:creationId xmlns:a16="http://schemas.microsoft.com/office/drawing/2014/main" id="{6924F2FB-ED92-8BB6-7B71-8C71E0E5C38F}"/>
-              </a:ext>
-            </a:extLst>
-          </p:cNvPr>
+          <p:cNvPr id="2" name="Title 1"/>
           <p:cNvSpPr>
             <a:spLocks noGrp="1"/>
           </p:cNvSpPr>
@@ -2193,18 +1927,13 @@
               <a:rPr lang="en-US"/>
               <a:t>Click to edit Master title style</a:t>
             </a:r>
-          </a:p>
-        </p:txBody>
-      </p:sp>
-      <p:sp>
-        <p:nvSpPr>
-          <p:cNvPr id="3" name="Content Placeholder 2">
-            <a:extLst>
-              <a:ext uri="{FF2B5EF4-FFF2-40B4-BE49-F238E27FC236}">
-                <a16:creationId xmlns:a16="http://schemas.microsoft.com/office/drawing/2014/main" id="{CFF7AA41-9854-FEBF-8E53-D7F4D9CE695C}"/>
-              </a:ext>
-            </a:extLst>
-          </p:cNvPr>
+            <a:endParaRPr lang="en-US" dirty="0"/>
+          </a:p>
+        </p:txBody>
+      </p:sp>
+      <p:sp>
+        <p:nvSpPr>
+          <p:cNvPr id="3" name="Content Placeholder 2"/>
           <p:cNvSpPr>
             <a:spLocks noGrp="1"/>
           </p:cNvSpPr>
@@ -2283,18 +2012,13 @@
               <a:rPr lang="en-US"/>
               <a:t>Fifth level</a:t>
             </a:r>
-          </a:p>
-        </p:txBody>
-      </p:sp>
-      <p:sp>
-        <p:nvSpPr>
-          <p:cNvPr id="4" name="Text Placeholder 3">
-            <a:extLst>
-              <a:ext uri="{FF2B5EF4-FFF2-40B4-BE49-F238E27FC236}">
-                <a16:creationId xmlns:a16="http://schemas.microsoft.com/office/drawing/2014/main" id="{45CFE4FA-A1B7-C81F-9A6D-41BB4EA5F454}"/>
-              </a:ext>
-            </a:extLst>
-          </p:cNvPr>
+            <a:endParaRPr lang="en-US" dirty="0"/>
+          </a:p>
+        </p:txBody>
+      </p:sp>
+      <p:sp>
+        <p:nvSpPr>
+          <p:cNvPr id="4" name="Text Placeholder 3"/>
           <p:cNvSpPr>
             <a:spLocks noGrp="1"/>
           </p:cNvSpPr>
@@ -2359,13 +2083,7 @@
       </p:sp>
       <p:sp>
         <p:nvSpPr>
-          <p:cNvPr id="5" name="Date Placeholder 4">
-            <a:extLst>
-              <a:ext uri="{FF2B5EF4-FFF2-40B4-BE49-F238E27FC236}">
-                <a16:creationId xmlns:a16="http://schemas.microsoft.com/office/drawing/2014/main" id="{96F6C1A5-F7F2-FD32-A911-CC6E963F5D3F}"/>
-              </a:ext>
-            </a:extLst>
-          </p:cNvPr>
+          <p:cNvPr id="5" name="Date Placeholder 4"/>
           <p:cNvSpPr>
             <a:spLocks noGrp="1"/>
           </p:cNvSpPr>
@@ -2388,13 +2106,7 @@
       </p:sp>
       <p:sp>
         <p:nvSpPr>
-          <p:cNvPr id="6" name="Footer Placeholder 5">
-            <a:extLst>
-              <a:ext uri="{FF2B5EF4-FFF2-40B4-BE49-F238E27FC236}">
-                <a16:creationId xmlns:a16="http://schemas.microsoft.com/office/drawing/2014/main" id="{D7BA0A67-FFFA-7CB5-BA60-61F75F899BA1}"/>
-              </a:ext>
-            </a:extLst>
-          </p:cNvPr>
+          <p:cNvPr id="6" name="Footer Placeholder 5"/>
           <p:cNvSpPr>
             <a:spLocks noGrp="1"/>
           </p:cNvSpPr>
@@ -2413,13 +2125,7 @@
       </p:sp>
       <p:sp>
         <p:nvSpPr>
-          <p:cNvPr id="7" name="Slide Number Placeholder 6">
-            <a:extLst>
-              <a:ext uri="{FF2B5EF4-FFF2-40B4-BE49-F238E27FC236}">
-                <a16:creationId xmlns:a16="http://schemas.microsoft.com/office/drawing/2014/main" id="{CF91A5CC-6EF8-364F-127B-7E1EC0E2BACF}"/>
-              </a:ext>
-            </a:extLst>
-          </p:cNvPr>
+          <p:cNvPr id="7" name="Slide Number Placeholder 6"/>
           <p:cNvSpPr>
             <a:spLocks noGrp="1"/>
           </p:cNvSpPr>
@@ -2443,7 +2149,7 @@
     </p:spTree>
     <p:extLst>
       <p:ext uri="{BB962C8B-B14F-4D97-AF65-F5344CB8AC3E}">
-        <p14:creationId xmlns:p14="http://schemas.microsoft.com/office/powerpoint/2010/main" val="1625848575"/>
+        <p14:creationId xmlns:p14="http://schemas.microsoft.com/office/powerpoint/2010/main" val="3110730552"/>
       </p:ext>
     </p:extLst>
   </p:cSld>
@@ -2472,13 +2178,7 @@
       </p:grpSpPr>
       <p:sp>
         <p:nvSpPr>
-          <p:cNvPr id="2" name="Title 1">
-            <a:extLst>
-              <a:ext uri="{FF2B5EF4-FFF2-40B4-BE49-F238E27FC236}">
-                <a16:creationId xmlns:a16="http://schemas.microsoft.com/office/drawing/2014/main" id="{FE73DCD6-B266-EDCB-C4DE-A3AC2F4267B1}"/>
-              </a:ext>
-            </a:extLst>
-          </p:cNvPr>
+          <p:cNvPr id="2" name="Title 1"/>
           <p:cNvSpPr>
             <a:spLocks noGrp="1"/>
           </p:cNvSpPr>
@@ -2504,20 +2204,15 @@
               <a:rPr lang="en-US"/>
               <a:t>Click to edit Master title style</a:t>
             </a:r>
-          </a:p>
-        </p:txBody>
-      </p:sp>
-      <p:sp>
-        <p:nvSpPr>
-          <p:cNvPr id="3" name="Picture Placeholder 2">
-            <a:extLst>
-              <a:ext uri="{FF2B5EF4-FFF2-40B4-BE49-F238E27FC236}">
-                <a16:creationId xmlns:a16="http://schemas.microsoft.com/office/drawing/2014/main" id="{8EAC88FF-9153-338A-8B96-DACB509C2720}"/>
-              </a:ext>
-            </a:extLst>
-          </p:cNvPr>
-          <p:cNvSpPr>
-            <a:spLocks noGrp="1"/>
+            <a:endParaRPr lang="en-US" dirty="0"/>
+          </a:p>
+        </p:txBody>
+      </p:sp>
+      <p:sp>
+        <p:nvSpPr>
+          <p:cNvPr id="3" name="Picture Placeholder 2"/>
+          <p:cNvSpPr>
+            <a:spLocks noGrp="1" noChangeAspect="1"/>
           </p:cNvSpPr>
           <p:nvPr>
             <p:ph type="pic" idx="1"/>
@@ -2527,6 +2222,71 @@
           <a:xfrm>
             <a:off x="5183188" y="987425"/>
             <a:ext cx="6172200" cy="4873625"/>
+          </a:xfrm>
+        </p:spPr>
+        <p:txBody>
+          <a:bodyPr anchor="t"/>
+          <a:lstStyle>
+            <a:lvl1pPr marL="0" indent="0">
+              <a:buNone/>
+              <a:defRPr sz="3200"/>
+            </a:lvl1pPr>
+            <a:lvl2pPr marL="457200" indent="0">
+              <a:buNone/>
+              <a:defRPr sz="2800"/>
+            </a:lvl2pPr>
+            <a:lvl3pPr marL="914400" indent="0">
+              <a:buNone/>
+              <a:defRPr sz="2400"/>
+            </a:lvl3pPr>
+            <a:lvl4pPr marL="1371600" indent="0">
+              <a:buNone/>
+              <a:defRPr sz="2000"/>
+            </a:lvl4pPr>
+            <a:lvl5pPr marL="1828800" indent="0">
+              <a:buNone/>
+              <a:defRPr sz="2000"/>
+            </a:lvl5pPr>
+            <a:lvl6pPr marL="2286000" indent="0">
+              <a:buNone/>
+              <a:defRPr sz="2000"/>
+            </a:lvl6pPr>
+            <a:lvl7pPr marL="2743200" indent="0">
+              <a:buNone/>
+              <a:defRPr sz="2000"/>
+            </a:lvl7pPr>
+            <a:lvl8pPr marL="3200400" indent="0">
+              <a:buNone/>
+              <a:defRPr sz="2000"/>
+            </a:lvl8pPr>
+            <a:lvl9pPr marL="3657600" indent="0">
+              <a:buNone/>
+              <a:defRPr sz="2000"/>
+            </a:lvl9pPr>
+          </a:lstStyle>
+          <a:p>
+            <a:r>
+              <a:rPr lang="en-US"/>
+              <a:t>Click icon to add picture</a:t>
+            </a:r>
+            <a:endParaRPr lang="en-US" dirty="0"/>
+          </a:p>
+        </p:txBody>
+      </p:sp>
+      <p:sp>
+        <p:nvSpPr>
+          <p:cNvPr id="4" name="Text Placeholder 3"/>
+          <p:cNvSpPr>
+            <a:spLocks noGrp="1"/>
+          </p:cNvSpPr>
+          <p:nvPr>
+            <p:ph type="body" sz="half" idx="2"/>
+          </p:nvPr>
+        </p:nvSpPr>
+        <p:spPr>
+          <a:xfrm>
+            <a:off x="839788" y="2057400"/>
+            <a:ext cx="3932237" cy="3811588"/>
           </a:xfrm>
         </p:spPr>
         <p:txBody>
@@ -2534,73 +2294,6 @@
           <a:lstStyle>
             <a:lvl1pPr marL="0" indent="0">
               <a:buNone/>
-              <a:defRPr sz="3200"/>
-            </a:lvl1pPr>
-            <a:lvl2pPr marL="457200" indent="0">
-              <a:buNone/>
-              <a:defRPr sz="2800"/>
-            </a:lvl2pPr>
-            <a:lvl3pPr marL="914400" indent="0">
-              <a:buNone/>
-              <a:defRPr sz="2400"/>
-            </a:lvl3pPr>
-            <a:lvl4pPr marL="1371600" indent="0">
-              <a:buNone/>
-              <a:defRPr sz="2000"/>
-            </a:lvl4pPr>
-            <a:lvl5pPr marL="1828800" indent="0">
-              <a:buNone/>
-              <a:defRPr sz="2000"/>
-            </a:lvl5pPr>
-            <a:lvl6pPr marL="2286000" indent="0">
-              <a:buNone/>
-              <a:defRPr sz="2000"/>
-            </a:lvl6pPr>
-            <a:lvl7pPr marL="2743200" indent="0">
-              <a:buNone/>
-              <a:defRPr sz="2000"/>
-            </a:lvl7pPr>
-            <a:lvl8pPr marL="3200400" indent="0">
-              <a:buNone/>
-              <a:defRPr sz="2000"/>
-            </a:lvl8pPr>
-            <a:lvl9pPr marL="3657600" indent="0">
-              <a:buNone/>
-              <a:defRPr sz="2000"/>
-            </a:lvl9pPr>
-          </a:lstStyle>
-          <a:p>
-            <a:endParaRPr lang="en-US"/>
-          </a:p>
-        </p:txBody>
-      </p:sp>
-      <p:sp>
-        <p:nvSpPr>
-          <p:cNvPr id="4" name="Text Placeholder 3">
-            <a:extLst>
-              <a:ext uri="{FF2B5EF4-FFF2-40B4-BE49-F238E27FC236}">
-                <a16:creationId xmlns:a16="http://schemas.microsoft.com/office/drawing/2014/main" id="{F143CF93-F02F-8565-350A-35FDBE57729A}"/>
-              </a:ext>
-            </a:extLst>
-          </p:cNvPr>
-          <p:cNvSpPr>
-            <a:spLocks noGrp="1"/>
-          </p:cNvSpPr>
-          <p:nvPr>
-            <p:ph type="body" sz="half" idx="2"/>
-          </p:nvPr>
-        </p:nvSpPr>
-        <p:spPr>
-          <a:xfrm>
-            <a:off x="839788" y="2057400"/>
-            <a:ext cx="3932237" cy="3811588"/>
-          </a:xfrm>
-        </p:spPr>
-        <p:txBody>
-          <a:bodyPr/>
-          <a:lstStyle>
-            <a:lvl1pPr marL="0" indent="0">
-              <a:buNone/>
               <a:defRPr sz="1600"/>
             </a:lvl1pPr>
             <a:lvl2pPr marL="457200" indent="0">
@@ -2647,13 +2340,7 @@
       </p:sp>
       <p:sp>
         <p:nvSpPr>
-          <p:cNvPr id="5" name="Date Placeholder 4">
-            <a:extLst>
-              <a:ext uri="{FF2B5EF4-FFF2-40B4-BE49-F238E27FC236}">
-                <a16:creationId xmlns:a16="http://schemas.microsoft.com/office/drawing/2014/main" id="{800773A5-D3A4-A642-984F-2CDB9DEA4852}"/>
-              </a:ext>
-            </a:extLst>
-          </p:cNvPr>
+          <p:cNvPr id="5" name="Date Placeholder 4"/>
           <p:cNvSpPr>
             <a:spLocks noGrp="1"/>
           </p:cNvSpPr>
@@ -2676,13 +2363,7 @@
       </p:sp>
       <p:sp>
         <p:nvSpPr>
-          <p:cNvPr id="6" name="Footer Placeholder 5">
-            <a:extLst>
-              <a:ext uri="{FF2B5EF4-FFF2-40B4-BE49-F238E27FC236}">
-                <a16:creationId xmlns:a16="http://schemas.microsoft.com/office/drawing/2014/main" id="{D302193D-26F2-FCF2-1403-691CC021B9A9}"/>
-              </a:ext>
-            </a:extLst>
-          </p:cNvPr>
+          <p:cNvPr id="6" name="Footer Placeholder 5"/>
           <p:cNvSpPr>
             <a:spLocks noGrp="1"/>
           </p:cNvSpPr>
@@ -2701,13 +2382,7 @@
       </p:sp>
       <p:sp>
         <p:nvSpPr>
-          <p:cNvPr id="7" name="Slide Number Placeholder 6">
-            <a:extLst>
-              <a:ext uri="{FF2B5EF4-FFF2-40B4-BE49-F238E27FC236}">
-                <a16:creationId xmlns:a16="http://schemas.microsoft.com/office/drawing/2014/main" id="{73F8C88B-966F-2BF7-81EE-693B0082847B}"/>
-              </a:ext>
-            </a:extLst>
-          </p:cNvPr>
+          <p:cNvPr id="7" name="Slide Number Placeholder 6"/>
           <p:cNvSpPr>
             <a:spLocks noGrp="1"/>
           </p:cNvSpPr>
@@ -2731,7 +2406,7 @@
     </p:spTree>
     <p:extLst>
       <p:ext uri="{BB962C8B-B14F-4D97-AF65-F5344CB8AC3E}">
-        <p14:creationId xmlns:p14="http://schemas.microsoft.com/office/powerpoint/2010/main" val="3975749484"/>
+        <p14:creationId xmlns:p14="http://schemas.microsoft.com/office/powerpoint/2010/main" val="2142713740"/>
       </p:ext>
     </p:extLst>
   </p:cSld>
@@ -2765,13 +2440,7 @@
       </p:grpSpPr>
       <p:sp>
         <p:nvSpPr>
-          <p:cNvPr id="2" name="Title Placeholder 1">
-            <a:extLst>
-              <a:ext uri="{FF2B5EF4-FFF2-40B4-BE49-F238E27FC236}">
-                <a16:creationId xmlns:a16="http://schemas.microsoft.com/office/drawing/2014/main" id="{E67B4F35-8469-BDE8-13A8-4800ECC38C88}"/>
-              </a:ext>
-            </a:extLst>
-          </p:cNvPr>
+          <p:cNvPr id="2" name="Title Placeholder 1"/>
           <p:cNvSpPr>
             <a:spLocks noGrp="1"/>
           </p:cNvSpPr>
@@ -2798,18 +2467,13 @@
               <a:rPr lang="en-US"/>
               <a:t>Click to edit Master title style</a:t>
             </a:r>
-          </a:p>
-        </p:txBody>
-      </p:sp>
-      <p:sp>
-        <p:nvSpPr>
-          <p:cNvPr id="3" name="Text Placeholder 2">
-            <a:extLst>
-              <a:ext uri="{FF2B5EF4-FFF2-40B4-BE49-F238E27FC236}">
-                <a16:creationId xmlns:a16="http://schemas.microsoft.com/office/drawing/2014/main" id="{1CC7B749-968E-21E4-67B1-23140E56C26D}"/>
-              </a:ext>
-            </a:extLst>
-          </p:cNvPr>
+            <a:endParaRPr lang="en-US" dirty="0"/>
+          </a:p>
+        </p:txBody>
+      </p:sp>
+      <p:sp>
+        <p:nvSpPr>
+          <p:cNvPr id="3" name="Text Placeholder 2"/>
           <p:cNvSpPr>
             <a:spLocks noGrp="1"/>
           </p:cNvSpPr>
@@ -2865,18 +2529,13 @@
               <a:rPr lang="en-US"/>
               <a:t>Fifth level</a:t>
             </a:r>
-          </a:p>
-        </p:txBody>
-      </p:sp>
-      <p:sp>
-        <p:nvSpPr>
-          <p:cNvPr id="4" name="Date Placeholder 3">
-            <a:extLst>
-              <a:ext uri="{FF2B5EF4-FFF2-40B4-BE49-F238E27FC236}">
-                <a16:creationId xmlns:a16="http://schemas.microsoft.com/office/drawing/2014/main" id="{26B4B174-7D67-8C91-08C9-C4506763B6DE}"/>
-              </a:ext>
-            </a:extLst>
-          </p:cNvPr>
+            <a:endParaRPr lang="en-US" dirty="0"/>
+          </a:p>
+        </p:txBody>
+      </p:sp>
+      <p:sp>
+        <p:nvSpPr>
+          <p:cNvPr id="4" name="Date Placeholder 3"/>
           <p:cNvSpPr>
             <a:spLocks noGrp="1"/>
           </p:cNvSpPr>
@@ -2917,13 +2576,7 @@
       </p:sp>
       <p:sp>
         <p:nvSpPr>
-          <p:cNvPr id="5" name="Footer Placeholder 4">
-            <a:extLst>
-              <a:ext uri="{FF2B5EF4-FFF2-40B4-BE49-F238E27FC236}">
-                <a16:creationId xmlns:a16="http://schemas.microsoft.com/office/drawing/2014/main" id="{37FEE36B-4619-0302-70A4-39F0A0612259}"/>
-              </a:ext>
-            </a:extLst>
-          </p:cNvPr>
+          <p:cNvPr id="5" name="Footer Placeholder 4"/>
           <p:cNvSpPr>
             <a:spLocks noGrp="1"/>
           </p:cNvSpPr>
@@ -2960,13 +2613,7 @@
       </p:sp>
       <p:sp>
         <p:nvSpPr>
-          <p:cNvPr id="6" name="Slide Number Placeholder 5">
-            <a:extLst>
-              <a:ext uri="{FF2B5EF4-FFF2-40B4-BE49-F238E27FC236}">
-                <a16:creationId xmlns:a16="http://schemas.microsoft.com/office/drawing/2014/main" id="{505C5C5E-D5F6-8B8A-3A7F-C8B89E52FF3C}"/>
-              </a:ext>
-            </a:extLst>
-          </p:cNvPr>
+          <p:cNvPr id="6" name="Slide Number Placeholder 5"/>
           <p:cNvSpPr>
             <a:spLocks noGrp="1"/>
           </p:cNvSpPr>
@@ -3008,23 +2655,23 @@
     </p:spTree>
     <p:extLst>
       <p:ext uri="{BB962C8B-B14F-4D97-AF65-F5344CB8AC3E}">
-        <p14:creationId xmlns:p14="http://schemas.microsoft.com/office/powerpoint/2010/main" val="329605195"/>
+        <p14:creationId xmlns:p14="http://schemas.microsoft.com/office/powerpoint/2010/main" val="2102740163"/>
       </p:ext>
     </p:extLst>
   </p:cSld>
   <p:clrMap bg1="lt1" tx1="dk1" bg2="lt2" tx2="dk2" accent1="accent1" accent2="accent2" accent3="accent3" accent4="accent4" accent5="accent5" accent6="accent6" hlink="hlink" folHlink="folHlink"/>
   <p:sldLayoutIdLst>
-    <p:sldLayoutId id="2147483649" r:id="rId1"/>
-    <p:sldLayoutId id="2147483650" r:id="rId2"/>
-    <p:sldLayoutId id="2147483651" r:id="rId3"/>
-    <p:sldLayoutId id="2147483652" r:id="rId4"/>
-    <p:sldLayoutId id="2147483653" r:id="rId5"/>
-    <p:sldLayoutId id="2147483654" r:id="rId6"/>
-    <p:sldLayoutId id="2147483655" r:id="rId7"/>
-    <p:sldLayoutId id="2147483656" r:id="rId8"/>
-    <p:sldLayoutId id="2147483657" r:id="rId9"/>
-    <p:sldLayoutId id="2147483658" r:id="rId10"/>
-    <p:sldLayoutId id="2147483659" r:id="rId11"/>
+    <p:sldLayoutId id="2147483673" r:id="rId1"/>
+    <p:sldLayoutId id="2147483674" r:id="rId2"/>
+    <p:sldLayoutId id="2147483675" r:id="rId3"/>
+    <p:sldLayoutId id="2147483676" r:id="rId4"/>
+    <p:sldLayoutId id="2147483677" r:id="rId5"/>
+    <p:sldLayoutId id="2147483678" r:id="rId6"/>
+    <p:sldLayoutId id="2147483679" r:id="rId7"/>
+    <p:sldLayoutId id="2147483680" r:id="rId8"/>
+    <p:sldLayoutId id="2147483681" r:id="rId9"/>
+    <p:sldLayoutId id="2147483682" r:id="rId10"/>
+    <p:sldLayoutId id="2147483683" r:id="rId11"/>
   </p:sldLayoutIdLst>
   <p:txStyles>
     <p:titleStyle>
@@ -3340,8 +2987,8 @@
         </p:nvSpPr>
         <p:spPr>
           <a:xfrm>
-            <a:off x="-253218" y="-291906"/>
-            <a:ext cx="12703126" cy="7441809"/>
+            <a:off x="-2056816" y="-1348889"/>
+            <a:ext cx="16311655" cy="9555775"/>
           </a:xfrm>
           <a:prstGeom prst="rect">
             <a:avLst/>
@@ -3392,7 +3039,7 @@
           <a:lstStyle/>
           <a:p>
             <a:pPr algn="ctr"/>
-            <a:endParaRPr lang="en-US"/>
+            <a:endParaRPr lang="en-US" sz="2311"/>
           </a:p>
         </p:txBody>
       </p:sp>
@@ -3410,8 +3057,8 @@
         </p:nvSpPr>
         <p:spPr>
           <a:xfrm>
-            <a:off x="-139036" y="-255003"/>
-            <a:ext cx="4172478" cy="615947"/>
+            <a:off x="-1910199" y="-1301503"/>
+            <a:ext cx="5357738" cy="790917"/>
           </a:xfrm>
           <a:prstGeom prst="roundRect">
             <a:avLst/>
@@ -3462,7 +3109,7 @@
           <a:lstStyle/>
           <a:p>
             <a:pPr algn="ctr"/>
-            <a:endParaRPr lang="en-US" dirty="0"/>
+            <a:endParaRPr lang="en-US" sz="2311" dirty="0"/>
           </a:p>
         </p:txBody>
       </p:sp>
@@ -3480,8 +3127,8 @@
         </p:nvSpPr>
         <p:spPr>
           <a:xfrm>
-            <a:off x="4184363" y="-255004"/>
-            <a:ext cx="8117615" cy="615947"/>
+            <a:off x="3641334" y="-1301505"/>
+            <a:ext cx="10423555" cy="790917"/>
           </a:xfrm>
           <a:prstGeom prst="roundRect">
             <a:avLst/>
@@ -3532,16 +3179,16 @@
           <a:lstStyle/>
           <a:p>
             <a:pPr algn="ctr"/>
-            <a:endParaRPr lang="en-US"/>
+            <a:endParaRPr lang="en-US" sz="2311"/>
           </a:p>
         </p:txBody>
       </p:sp>
       <p:pic>
         <p:nvPicPr>
-          <p:cNvPr id="15" name="Picture 14" descr="A yellow text on a black background&#10;&#10;Description automatically generated">
+          <p:cNvPr id="27" name="Picture 26" descr="A black background with a black square&#10;&#10;Description automatically generated with medium confidence">
             <a:extLst>
               <a:ext uri="{FF2B5EF4-FFF2-40B4-BE49-F238E27FC236}">
-                <a16:creationId xmlns:a16="http://schemas.microsoft.com/office/drawing/2014/main" id="{F014FB77-7723-F094-B298-890077D5C9CF}"/>
+                <a16:creationId xmlns:a16="http://schemas.microsoft.com/office/drawing/2014/main" id="{86A1852C-69B8-6847-E11F-5DAF5D8E9CFE}"/>
               </a:ext>
             </a:extLst>
           </p:cNvPr>
@@ -3564,50 +3211,14 @@
         </p:blipFill>
         <p:spPr>
           <a:xfrm>
-            <a:off x="13084" y="6583980"/>
-            <a:ext cx="974290" cy="548039"/>
+            <a:off x="-1793376" y="-1180370"/>
+            <a:ext cx="704036" cy="474247"/>
           </a:xfrm>
           <a:prstGeom prst="rect">
             <a:avLst/>
           </a:prstGeom>
         </p:spPr>
       </p:pic>
-      <p:pic>
-        <p:nvPicPr>
-          <p:cNvPr id="27" name="Picture 26" descr="A black background with a black square&#10;&#10;Description automatically generated with medium confidence">
-            <a:extLst>
-              <a:ext uri="{FF2B5EF4-FFF2-40B4-BE49-F238E27FC236}">
-                <a16:creationId xmlns:a16="http://schemas.microsoft.com/office/drawing/2014/main" id="{86A1852C-69B8-6847-E11F-5DAF5D8E9CFE}"/>
-              </a:ext>
-            </a:extLst>
-          </p:cNvPr>
-          <p:cNvPicPr>
-            <a:picLocks noChangeAspect="1"/>
-          </p:cNvPicPr>
-          <p:nvPr/>
-        </p:nvPicPr>
-        <p:blipFill>
-          <a:blip r:embed="rId3">
-            <a:extLst>
-              <a:ext uri="{28A0092B-C50C-407E-A947-70E740481C1C}">
-                <a14:useLocalDpi xmlns:a14="http://schemas.microsoft.com/office/drawing/2010/main" val="0"/>
-              </a:ext>
-            </a:extLst>
-          </a:blip>
-          <a:stretch>
-            <a:fillRect/>
-          </a:stretch>
-        </p:blipFill>
-        <p:spPr>
-          <a:xfrm>
-            <a:off x="-48057" y="-160667"/>
-            <a:ext cx="548286" cy="369332"/>
-          </a:xfrm>
-          <a:prstGeom prst="rect">
-            <a:avLst/>
-          </a:prstGeom>
-        </p:spPr>
-      </p:pic>
       <p:sp>
         <p:nvSpPr>
           <p:cNvPr id="28" name="TextBox 27">
@@ -3622,8 +3233,8 @@
         </p:nvSpPr>
         <p:spPr>
           <a:xfrm>
-            <a:off x="520791" y="-160667"/>
-            <a:ext cx="3519505" cy="369332"/>
+            <a:off x="-1080539" y="-1125791"/>
+            <a:ext cx="4519277" cy="447943"/>
           </a:xfrm>
           <a:prstGeom prst="rect">
             <a:avLst/>
@@ -3637,7 +3248,7 @@
           <a:lstStyle/>
           <a:p>
             <a:r>
-              <a:rPr lang="en-US" b="1" dirty="0">
+              <a:rPr lang="en-US" sz="2311" b="1" dirty="0">
                 <a:latin typeface="Arial" panose="020B0604020202020204" pitchFamily="34" charset="0"/>
                 <a:cs typeface="Arial" panose="020B0604020202020204" pitchFamily="34" charset="0"/>
               </a:rPr>
@@ -3660,8 +3271,8 @@
         </p:nvSpPr>
         <p:spPr>
           <a:xfrm>
-            <a:off x="-139036" y="499835"/>
-            <a:ext cx="1230561" cy="1018027"/>
+            <a:off x="-1910199" y="-332240"/>
+            <a:ext cx="1580122" cy="1307214"/>
           </a:xfrm>
           <a:prstGeom prst="roundRect">
             <a:avLst/>
@@ -3712,7 +3323,7 @@
           <a:lstStyle/>
           <a:p>
             <a:pPr algn="ctr"/>
-            <a:endParaRPr lang="en-US" dirty="0"/>
+            <a:endParaRPr lang="en-US" sz="2311" dirty="0"/>
           </a:p>
         </p:txBody>
       </p:sp>
@@ -3730,8 +3341,8 @@
         </p:nvSpPr>
         <p:spPr>
           <a:xfrm>
-            <a:off x="-139037" y="1670142"/>
-            <a:ext cx="1230561" cy="3517715"/>
+            <a:off x="-1910200" y="1170512"/>
+            <a:ext cx="1580122" cy="5064626"/>
           </a:xfrm>
           <a:prstGeom prst="roundRect">
             <a:avLst/>
@@ -3782,7 +3393,7 @@
           <a:lstStyle/>
           <a:p>
             <a:pPr algn="ctr"/>
-            <a:endParaRPr lang="en-US"/>
+            <a:endParaRPr lang="en-US" sz="2311"/>
           </a:p>
         </p:txBody>
       </p:sp>
@@ -3800,8 +3411,8 @@
         </p:nvSpPr>
         <p:spPr>
           <a:xfrm>
-            <a:off x="1197939" y="499831"/>
-            <a:ext cx="2210612" cy="720442"/>
+            <a:off x="-193435" y="-332247"/>
+            <a:ext cx="2838572" cy="925095"/>
           </a:xfrm>
           <a:prstGeom prst="roundRect">
             <a:avLst/>
@@ -3852,7 +3463,7 @@
           <a:lstStyle/>
           <a:p>
             <a:pPr algn="ctr"/>
-            <a:endParaRPr lang="en-US" dirty="0"/>
+            <a:endParaRPr lang="en-US" sz="2311" dirty="0"/>
           </a:p>
         </p:txBody>
       </p:sp>
@@ -3870,8 +3481,8 @@
         </p:nvSpPr>
         <p:spPr>
           <a:xfrm>
-            <a:off x="3489959" y="499831"/>
-            <a:ext cx="2092559" cy="720442"/>
+            <a:off x="2749673" y="-332247"/>
+            <a:ext cx="2686984" cy="925095"/>
           </a:xfrm>
           <a:prstGeom prst="roundRect">
             <a:avLst/>
@@ -3922,7 +3533,7 @@
           <a:lstStyle/>
           <a:p>
             <a:pPr algn="ctr"/>
-            <a:endParaRPr lang="en-US" dirty="0"/>
+            <a:endParaRPr lang="en-US" sz="2311" dirty="0"/>
           </a:p>
         </p:txBody>
       </p:sp>
@@ -3940,8 +3551,8 @@
         </p:nvSpPr>
         <p:spPr>
           <a:xfrm>
-            <a:off x="5663926" y="499831"/>
-            <a:ext cx="1779081" cy="720442"/>
+            <a:off x="5541190" y="-332247"/>
+            <a:ext cx="2284458" cy="925095"/>
           </a:xfrm>
           <a:prstGeom prst="roundRect">
             <a:avLst/>
@@ -3992,7 +3603,7 @@
           <a:lstStyle/>
           <a:p>
             <a:pPr algn="ctr"/>
-            <a:endParaRPr lang="en-US" dirty="0"/>
+            <a:endParaRPr lang="en-US" sz="2311" dirty="0"/>
           </a:p>
         </p:txBody>
       </p:sp>
@@ -4010,8 +3621,8 @@
         </p:nvSpPr>
         <p:spPr>
           <a:xfrm>
-            <a:off x="7528211" y="499831"/>
-            <a:ext cx="1846525" cy="720442"/>
+            <a:off x="7935056" y="-332247"/>
+            <a:ext cx="2371060" cy="925095"/>
           </a:xfrm>
           <a:prstGeom prst="roundRect">
             <a:avLst/>
@@ -4062,7 +3673,7 @@
           <a:lstStyle/>
           <a:p>
             <a:pPr algn="ctr"/>
-            <a:endParaRPr lang="en-US" b="1" dirty="0"/>
+            <a:endParaRPr lang="en-US" sz="2311" b="1" dirty="0"/>
           </a:p>
         </p:txBody>
       </p:sp>
@@ -4072,6 +3683,194 @@
             <a:extLst>
               <a:ext uri="{FF2B5EF4-FFF2-40B4-BE49-F238E27FC236}">
                 <a16:creationId xmlns:a16="http://schemas.microsoft.com/office/drawing/2014/main" id="{10AB7EA1-AF0B-3612-195D-4699D5A53EB5}"/>
+              </a:ext>
+            </a:extLst>
+          </p:cNvPr>
+          <p:cNvPicPr>
+            <a:picLocks noChangeAspect="1"/>
+          </p:cNvPicPr>
+          <p:nvPr/>
+        </p:nvPicPr>
+        <p:blipFill>
+          <a:blip r:embed="rId3">
+            <a:extLst>
+              <a:ext uri="{28A0092B-C50C-407E-A947-70E740481C1C}">
+                <a14:useLocalDpi xmlns:a14="http://schemas.microsoft.com/office/drawing/2010/main" val="0"/>
+              </a:ext>
+            </a:extLst>
+          </a:blip>
+          <a:stretch>
+            <a:fillRect/>
+          </a:stretch>
+        </p:blipFill>
+        <p:spPr>
+          <a:xfrm>
+            <a:off x="1805846" y="-225122"/>
+            <a:ext cx="710850" cy="710850"/>
+          </a:xfrm>
+          <a:prstGeom prst="rect">
+            <a:avLst/>
+          </a:prstGeom>
+        </p:spPr>
+      </p:pic>
+      <p:sp>
+        <p:nvSpPr>
+          <p:cNvPr id="36" name="TextBox 35">
+            <a:extLst>
+              <a:ext uri="{FF2B5EF4-FFF2-40B4-BE49-F238E27FC236}">
+                <a16:creationId xmlns:a16="http://schemas.microsoft.com/office/drawing/2014/main" id="{EF4C72E5-B839-49DD-04E9-CCBD00CC33EA}"/>
+              </a:ext>
+            </a:extLst>
+          </p:cNvPr>
+          <p:cNvSpPr txBox="1"/>
+          <p:nvPr/>
+        </p:nvSpPr>
+        <p:spPr>
+          <a:xfrm>
+            <a:off x="-21391" y="-332241"/>
+            <a:ext cx="1580122" cy="329449"/>
+          </a:xfrm>
+          <a:prstGeom prst="rect">
+            <a:avLst/>
+          </a:prstGeom>
+          <a:noFill/>
+        </p:spPr>
+        <p:txBody>
+          <a:bodyPr wrap="square" rtlCol="0">
+            <a:spAutoFit/>
+          </a:bodyPr>
+          <a:lstStyle/>
+          <a:p>
+            <a:r>
+              <a:rPr lang="en-US" sz="1541" b="1" dirty="0">
+                <a:latin typeface="Arial" panose="020B0604020202020204" pitchFamily="34" charset="0"/>
+                <a:cs typeface="Arial" panose="020B0604020202020204" pitchFamily="34" charset="0"/>
+              </a:rPr>
+              <a:t>TOTAL SALES</a:t>
+            </a:r>
+          </a:p>
+        </p:txBody>
+      </p:sp>
+      <p:sp>
+        <p:nvSpPr>
+          <p:cNvPr id="37" name="TextBox 36">
+            <a:extLst>
+              <a:ext uri="{FF2B5EF4-FFF2-40B4-BE49-F238E27FC236}">
+                <a16:creationId xmlns:a16="http://schemas.microsoft.com/office/drawing/2014/main" id="{59AA22C8-CA8A-945D-6A94-0657E4284EA3}"/>
+              </a:ext>
+            </a:extLst>
+          </p:cNvPr>
+          <p:cNvSpPr txBox="1"/>
+          <p:nvPr/>
+        </p:nvSpPr>
+        <p:spPr>
+          <a:xfrm>
+            <a:off x="2888378" y="-308143"/>
+            <a:ext cx="1679535" cy="329449"/>
+          </a:xfrm>
+          <a:prstGeom prst="rect">
+            <a:avLst/>
+          </a:prstGeom>
+          <a:noFill/>
+        </p:spPr>
+        <p:txBody>
+          <a:bodyPr wrap="square" rtlCol="0">
+            <a:spAutoFit/>
+          </a:bodyPr>
+          <a:lstStyle/>
+          <a:p>
+            <a:r>
+              <a:rPr lang="en-US" sz="1541" b="1" dirty="0">
+                <a:latin typeface="Arial" panose="020B0604020202020204" pitchFamily="34" charset="0"/>
+                <a:cs typeface="Arial" panose="020B0604020202020204" pitchFamily="34" charset="0"/>
+              </a:rPr>
+              <a:t>TOTAL PROFIT</a:t>
+            </a:r>
+          </a:p>
+        </p:txBody>
+      </p:sp>
+      <p:sp>
+        <p:nvSpPr>
+          <p:cNvPr id="38" name="TextBox 37">
+            <a:extLst>
+              <a:ext uri="{FF2B5EF4-FFF2-40B4-BE49-F238E27FC236}">
+                <a16:creationId xmlns:a16="http://schemas.microsoft.com/office/drawing/2014/main" id="{DDE3777D-47A2-02CE-561C-62FA4AB7475B}"/>
+              </a:ext>
+            </a:extLst>
+          </p:cNvPr>
+          <p:cNvSpPr txBox="1"/>
+          <p:nvPr/>
+        </p:nvSpPr>
+        <p:spPr>
+          <a:xfrm>
+            <a:off x="5709386" y="-314282"/>
+            <a:ext cx="1219329" cy="329449"/>
+          </a:xfrm>
+          <a:prstGeom prst="rect">
+            <a:avLst/>
+          </a:prstGeom>
+          <a:noFill/>
+        </p:spPr>
+        <p:txBody>
+          <a:bodyPr wrap="square" rtlCol="0">
+            <a:spAutoFit/>
+          </a:bodyPr>
+          <a:lstStyle/>
+          <a:p>
+            <a:r>
+              <a:rPr lang="en-US" sz="1541" b="1" dirty="0">
+                <a:latin typeface="Arial" panose="020B0604020202020204" pitchFamily="34" charset="0"/>
+                <a:cs typeface="Arial" panose="020B0604020202020204" pitchFamily="34" charset="0"/>
+              </a:rPr>
+              <a:t>PROFIT %</a:t>
+            </a:r>
+          </a:p>
+        </p:txBody>
+      </p:sp>
+      <p:sp>
+        <p:nvSpPr>
+          <p:cNvPr id="39" name="TextBox 38">
+            <a:extLst>
+              <a:ext uri="{FF2B5EF4-FFF2-40B4-BE49-F238E27FC236}">
+                <a16:creationId xmlns:a16="http://schemas.microsoft.com/office/drawing/2014/main" id="{ACE6D0D2-926D-49A4-8974-1E65EE5E9445}"/>
+              </a:ext>
+            </a:extLst>
+          </p:cNvPr>
+          <p:cNvSpPr txBox="1"/>
+          <p:nvPr/>
+        </p:nvSpPr>
+        <p:spPr>
+          <a:xfrm>
+            <a:off x="8037603" y="-326116"/>
+            <a:ext cx="1472265" cy="329449"/>
+          </a:xfrm>
+          <a:prstGeom prst="rect">
+            <a:avLst/>
+          </a:prstGeom>
+          <a:noFill/>
+        </p:spPr>
+        <p:txBody>
+          <a:bodyPr wrap="square" rtlCol="0">
+            <a:spAutoFit/>
+          </a:bodyPr>
+          <a:lstStyle/>
+          <a:p>
+            <a:r>
+              <a:rPr lang="en-US" sz="1541" b="1" dirty="0">
+                <a:latin typeface="Arial" panose="020B0604020202020204" pitchFamily="34" charset="0"/>
+                <a:cs typeface="Arial" panose="020B0604020202020204" pitchFamily="34" charset="0"/>
+              </a:rPr>
+              <a:t>UNITS SOLD</a:t>
+            </a:r>
+          </a:p>
+        </p:txBody>
+      </p:sp>
+      <p:pic>
+        <p:nvPicPr>
+          <p:cNvPr id="19" name="Picture 18" descr="A black background with a black square&#10;&#10;Description automatically generated with medium confidence">
+            <a:extLst>
+              <a:ext uri="{FF2B5EF4-FFF2-40B4-BE49-F238E27FC236}">
+                <a16:creationId xmlns:a16="http://schemas.microsoft.com/office/drawing/2014/main" id="{40A95536-A51D-30C8-1D40-E83FC1D27887}"/>
               </a:ext>
             </a:extLst>
           </p:cNvPr>
@@ -4094,172 +3893,20 @@
         </p:blipFill>
         <p:spPr>
           <a:xfrm>
-            <a:off x="2754929" y="583256"/>
-            <a:ext cx="553593" cy="553593"/>
+            <a:off x="4449495" y="-314277"/>
+            <a:ext cx="987541" cy="987541"/>
           </a:xfrm>
           <a:prstGeom prst="rect">
             <a:avLst/>
           </a:prstGeom>
         </p:spPr>
       </p:pic>
-      <p:sp>
-        <p:nvSpPr>
-          <p:cNvPr id="36" name="TextBox 35">
-            <a:extLst>
-              <a:ext uri="{FF2B5EF4-FFF2-40B4-BE49-F238E27FC236}">
-                <a16:creationId xmlns:a16="http://schemas.microsoft.com/office/drawing/2014/main" id="{EF4C72E5-B839-49DD-04E9-CCBD00CC33EA}"/>
-              </a:ext>
-            </a:extLst>
-          </p:cNvPr>
-          <p:cNvSpPr txBox="1"/>
-          <p:nvPr/>
-        </p:nvSpPr>
-        <p:spPr>
-          <a:xfrm>
-            <a:off x="1331922" y="499834"/>
-            <a:ext cx="1230561" cy="276999"/>
-          </a:xfrm>
-          <a:prstGeom prst="rect">
-            <a:avLst/>
-          </a:prstGeom>
-          <a:noFill/>
-        </p:spPr>
-        <p:txBody>
-          <a:bodyPr wrap="square" rtlCol="0">
-            <a:spAutoFit/>
-          </a:bodyPr>
-          <a:lstStyle/>
-          <a:p>
-            <a:r>
-              <a:rPr lang="en-US" sz="1200" b="1" dirty="0">
-                <a:latin typeface="Arial" panose="020B0604020202020204" pitchFamily="34" charset="0"/>
-                <a:cs typeface="Arial" panose="020B0604020202020204" pitchFamily="34" charset="0"/>
-              </a:rPr>
-              <a:t>TOTAL SALES</a:t>
-            </a:r>
-          </a:p>
-        </p:txBody>
-      </p:sp>
-      <p:sp>
-        <p:nvSpPr>
-          <p:cNvPr id="37" name="TextBox 36">
-            <a:extLst>
-              <a:ext uri="{FF2B5EF4-FFF2-40B4-BE49-F238E27FC236}">
-                <a16:creationId xmlns:a16="http://schemas.microsoft.com/office/drawing/2014/main" id="{59AA22C8-CA8A-945D-6A94-0657E4284EA3}"/>
-              </a:ext>
-            </a:extLst>
-          </p:cNvPr>
-          <p:cNvSpPr txBox="1"/>
-          <p:nvPr/>
-        </p:nvSpPr>
-        <p:spPr>
-          <a:xfrm>
-            <a:off x="3597981" y="518601"/>
-            <a:ext cx="1307982" cy="276999"/>
-          </a:xfrm>
-          <a:prstGeom prst="rect">
-            <a:avLst/>
-          </a:prstGeom>
-          <a:noFill/>
-        </p:spPr>
-        <p:txBody>
-          <a:bodyPr wrap="square" rtlCol="0">
-            <a:spAutoFit/>
-          </a:bodyPr>
-          <a:lstStyle/>
-          <a:p>
-            <a:r>
-              <a:rPr lang="en-US" sz="1200" b="1" dirty="0">
-                <a:latin typeface="Arial" panose="020B0604020202020204" pitchFamily="34" charset="0"/>
-                <a:cs typeface="Arial" panose="020B0604020202020204" pitchFamily="34" charset="0"/>
-              </a:rPr>
-              <a:t>TOTAL PROFIT</a:t>
-            </a:r>
-          </a:p>
-        </p:txBody>
-      </p:sp>
-      <p:sp>
-        <p:nvSpPr>
-          <p:cNvPr id="38" name="TextBox 37">
-            <a:extLst>
-              <a:ext uri="{FF2B5EF4-FFF2-40B4-BE49-F238E27FC236}">
-                <a16:creationId xmlns:a16="http://schemas.microsoft.com/office/drawing/2014/main" id="{DDE3777D-47A2-02CE-561C-62FA4AB7475B}"/>
-              </a:ext>
-            </a:extLst>
-          </p:cNvPr>
-          <p:cNvSpPr txBox="1"/>
-          <p:nvPr/>
-        </p:nvSpPr>
-        <p:spPr>
-          <a:xfrm>
-            <a:off x="5794914" y="513820"/>
-            <a:ext cx="949584" cy="276999"/>
-          </a:xfrm>
-          <a:prstGeom prst="rect">
-            <a:avLst/>
-          </a:prstGeom>
-          <a:noFill/>
-        </p:spPr>
-        <p:txBody>
-          <a:bodyPr wrap="square" rtlCol="0">
-            <a:spAutoFit/>
-          </a:bodyPr>
-          <a:lstStyle/>
-          <a:p>
-            <a:r>
-              <a:rPr lang="en-US" sz="1200" b="1" dirty="0">
-                <a:latin typeface="Arial" panose="020B0604020202020204" pitchFamily="34" charset="0"/>
-                <a:cs typeface="Arial" panose="020B0604020202020204" pitchFamily="34" charset="0"/>
-              </a:rPr>
-              <a:t>PROFIT %</a:t>
-            </a:r>
-          </a:p>
-        </p:txBody>
-      </p:sp>
-      <p:sp>
-        <p:nvSpPr>
-          <p:cNvPr id="39" name="TextBox 38">
-            <a:extLst>
-              <a:ext uri="{FF2B5EF4-FFF2-40B4-BE49-F238E27FC236}">
-                <a16:creationId xmlns:a16="http://schemas.microsoft.com/office/drawing/2014/main" id="{ACE6D0D2-926D-49A4-8974-1E65EE5E9445}"/>
-              </a:ext>
-            </a:extLst>
-          </p:cNvPr>
-          <p:cNvSpPr txBox="1"/>
-          <p:nvPr/>
-        </p:nvSpPr>
-        <p:spPr>
-          <a:xfrm>
-            <a:off x="7608072" y="504604"/>
-            <a:ext cx="1146565" cy="276999"/>
-          </a:xfrm>
-          <a:prstGeom prst="rect">
-            <a:avLst/>
-          </a:prstGeom>
-          <a:noFill/>
-        </p:spPr>
-        <p:txBody>
-          <a:bodyPr wrap="square" rtlCol="0">
-            <a:spAutoFit/>
-          </a:bodyPr>
-          <a:lstStyle/>
-          <a:p>
-            <a:r>
-              <a:rPr lang="en-US" sz="1200" b="1" dirty="0">
-                <a:latin typeface="Arial" panose="020B0604020202020204" pitchFamily="34" charset="0"/>
-                <a:cs typeface="Arial" panose="020B0604020202020204" pitchFamily="34" charset="0"/>
-              </a:rPr>
-              <a:t>UNITS SOLD</a:t>
-            </a:r>
-          </a:p>
-        </p:txBody>
-      </p:sp>
       <p:pic>
         <p:nvPicPr>
-          <p:cNvPr id="19" name="Picture 18" descr="A black background with a black square&#10;&#10;Description automatically generated with medium confidence">
+          <p:cNvPr id="13" name="Picture 12" descr="A black background with a black square&#10;&#10;Description automatically generated with medium confidence">
             <a:extLst>
               <a:ext uri="{FF2B5EF4-FFF2-40B4-BE49-F238E27FC236}">
-                <a16:creationId xmlns:a16="http://schemas.microsoft.com/office/drawing/2014/main" id="{40A95536-A51D-30C8-1D40-E83FC1D27887}"/>
+                <a16:creationId xmlns:a16="http://schemas.microsoft.com/office/drawing/2014/main" id="{7FFB5687-5944-6F11-4F77-855C0E1C422A}"/>
               </a:ext>
             </a:extLst>
           </p:cNvPr>
@@ -4282,8 +3929,8 @@
         </p:blipFill>
         <p:spPr>
           <a:xfrm>
-            <a:off x="4813740" y="513824"/>
-            <a:ext cx="769073" cy="769073"/>
+            <a:off x="7079064" y="-234839"/>
+            <a:ext cx="632989" cy="632989"/>
           </a:xfrm>
           <a:prstGeom prst="rect">
             <a:avLst/>
@@ -4292,10 +3939,10 @@
       </p:pic>
       <p:pic>
         <p:nvPicPr>
-          <p:cNvPr id="13" name="Picture 12" descr="A black background with a black square&#10;&#10;Description automatically generated with medium confidence">
+          <p:cNvPr id="41" name="Picture 40" descr="A black and white logo&#10;&#10;Description automatically generated">
             <a:extLst>
               <a:ext uri="{FF2B5EF4-FFF2-40B4-BE49-F238E27FC236}">
-                <a16:creationId xmlns:a16="http://schemas.microsoft.com/office/drawing/2014/main" id="{7FFB5687-5944-6F11-4F77-855C0E1C422A}"/>
+                <a16:creationId xmlns:a16="http://schemas.microsoft.com/office/drawing/2014/main" id="{819F6F36-61D4-5FA9-CB3C-448460859BB4}"/>
               </a:ext>
             </a:extLst>
           </p:cNvPr>
@@ -4318,50 +3965,14 @@
         </p:blipFill>
         <p:spPr>
           <a:xfrm>
-            <a:off x="6861585" y="575688"/>
-            <a:ext cx="492957" cy="492957"/>
+            <a:off x="9425453" y="-242325"/>
+            <a:ext cx="771653" cy="770866"/>
           </a:xfrm>
           <a:prstGeom prst="rect">
             <a:avLst/>
           </a:prstGeom>
         </p:spPr>
       </p:pic>
-      <p:pic>
-        <p:nvPicPr>
-          <p:cNvPr id="41" name="Picture 40" descr="A black and white logo&#10;&#10;Description automatically generated">
-            <a:extLst>
-              <a:ext uri="{FF2B5EF4-FFF2-40B4-BE49-F238E27FC236}">
-                <a16:creationId xmlns:a16="http://schemas.microsoft.com/office/drawing/2014/main" id="{819F6F36-61D4-5FA9-CB3C-448460859BB4}"/>
-              </a:ext>
-            </a:extLst>
-          </p:cNvPr>
-          <p:cNvPicPr>
-            <a:picLocks noChangeAspect="1"/>
-          </p:cNvPicPr>
-          <p:nvPr/>
-        </p:nvPicPr>
-        <p:blipFill>
-          <a:blip r:embed="rId7">
-            <a:extLst>
-              <a:ext uri="{28A0092B-C50C-407E-A947-70E740481C1C}">
-                <a14:useLocalDpi xmlns:a14="http://schemas.microsoft.com/office/drawing/2010/main" val="0"/>
-              </a:ext>
-            </a:extLst>
-          </a:blip>
-          <a:stretch>
-            <a:fillRect/>
-          </a:stretch>
-        </p:blipFill>
-        <p:spPr>
-          <a:xfrm>
-            <a:off x="8688897" y="569860"/>
-            <a:ext cx="600945" cy="600332"/>
-          </a:xfrm>
-          <a:prstGeom prst="rect">
-            <a:avLst/>
-          </a:prstGeom>
-        </p:spPr>
-      </p:pic>
       <p:sp>
         <p:nvSpPr>
           <p:cNvPr id="42" name="Rectangle: Rounded Corners 41">
@@ -4376,8 +3987,8 @@
         </p:nvSpPr>
         <p:spPr>
           <a:xfrm>
-            <a:off x="1205705" y="1359160"/>
-            <a:ext cx="4280695" cy="2958316"/>
+            <a:off x="-183462" y="771188"/>
+            <a:ext cx="5496696" cy="3798674"/>
           </a:xfrm>
           <a:prstGeom prst="roundRect">
             <a:avLst/>
@@ -4428,7 +4039,7 @@
           <a:lstStyle/>
           <a:p>
             <a:pPr algn="ctr"/>
-            <a:endParaRPr lang="en-US"/>
+            <a:endParaRPr lang="en-US" sz="2311"/>
           </a:p>
         </p:txBody>
       </p:sp>
@@ -4447,7 +4058,7 @@
           <p:nvPr/>
         </p:nvPicPr>
         <p:blipFill>
-          <a:blip r:embed="rId8">
+          <a:blip r:embed="rId7">
             <a:extLst>
               <a:ext uri="{28A0092B-C50C-407E-A947-70E740481C1C}">
                 <a14:useLocalDpi xmlns:a14="http://schemas.microsoft.com/office/drawing/2010/main" val="0"/>
@@ -4460,8 +4071,8 @@
         </p:blipFill>
         <p:spPr>
           <a:xfrm>
-            <a:off x="1413973" y="1441044"/>
-            <a:ext cx="335209" cy="347072"/>
+            <a:off x="83969" y="876333"/>
+            <a:ext cx="430431" cy="445663"/>
           </a:xfrm>
           <a:prstGeom prst="rect">
             <a:avLst/>
@@ -4482,8 +4093,8 @@
         </p:nvSpPr>
         <p:spPr>
           <a:xfrm>
-            <a:off x="1783534" y="1496616"/>
-            <a:ext cx="931862" cy="276999"/>
+            <a:off x="558508" y="947693"/>
+            <a:ext cx="3082826" cy="329211"/>
           </a:xfrm>
           <a:prstGeom prst="rect">
             <a:avLst/>
@@ -4497,11 +4108,11 @@
           <a:lstStyle/>
           <a:p>
             <a:r>
-              <a:rPr lang="en-US" sz="1200" b="1" dirty="0">
+              <a:rPr lang="en-US" sz="1541" b="1" dirty="0">
                 <a:latin typeface="Arial" panose="020B0604020202020204" pitchFamily="34" charset="0"/>
                 <a:cs typeface="Arial" panose="020B0604020202020204" pitchFamily="34" charset="0"/>
               </a:rPr>
-              <a:t>MONTHLY</a:t>
+              <a:t>MONTHLY SALES &amp; PROFIT</a:t>
             </a:r>
           </a:p>
         </p:txBody>
@@ -4522,8 +4133,8 @@
         </p:nvCxnSpPr>
         <p:spPr>
           <a:xfrm flipV="1">
-            <a:off x="1413973" y="1783608"/>
-            <a:ext cx="3750988" cy="20385"/>
+            <a:off x="83967" y="1316210"/>
+            <a:ext cx="4816517" cy="26176"/>
           </a:xfrm>
           <a:prstGeom prst="line">
             <a:avLst/>
@@ -4558,8 +4169,8 @@
         </p:nvSpPr>
         <p:spPr>
           <a:xfrm>
-            <a:off x="7069176" y="4393739"/>
-            <a:ext cx="5232802" cy="2573988"/>
+            <a:off x="7345623" y="4667789"/>
+            <a:ext cx="6719264" cy="3305171"/>
           </a:xfrm>
           <a:prstGeom prst="roundRect">
             <a:avLst/>
@@ -4610,7 +4221,7 @@
           <a:lstStyle/>
           <a:p>
             <a:pPr algn="ctr"/>
-            <a:endParaRPr lang="en-US"/>
+            <a:endParaRPr lang="en-US" sz="2311"/>
           </a:p>
         </p:txBody>
       </p:sp>
@@ -4629,7 +4240,7 @@
           <p:nvPr/>
         </p:nvPicPr>
         <p:blipFill>
-          <a:blip r:embed="rId9">
+          <a:blip r:embed="rId8">
             <a:extLst>
               <a:ext uri="{28A0092B-C50C-407E-A947-70E740481C1C}">
                 <a14:useLocalDpi xmlns:a14="http://schemas.microsoft.com/office/drawing/2010/main" val="0"/>
@@ -4642,8 +4253,8 @@
         </p:blipFill>
         <p:spPr>
           <a:xfrm>
-            <a:off x="7300088" y="4478401"/>
-            <a:ext cx="316839" cy="316839"/>
+            <a:off x="7642131" y="4776502"/>
+            <a:ext cx="406842" cy="406842"/>
           </a:xfrm>
           <a:prstGeom prst="rect">
             <a:avLst/>
@@ -4664,8 +4275,8 @@
         </p:nvSpPr>
         <p:spPr>
           <a:xfrm>
-            <a:off x="7694364" y="4498322"/>
-            <a:ext cx="2421470" cy="276999"/>
+            <a:off x="8148405" y="4802082"/>
+            <a:ext cx="3109328" cy="329449"/>
           </a:xfrm>
           <a:prstGeom prst="rect">
             <a:avLst/>
@@ -4679,7 +4290,7 @@
           <a:lstStyle/>
           <a:p>
             <a:r>
-              <a:rPr lang="en-US" sz="1200" b="1" dirty="0">
+              <a:rPr lang="en-US" sz="1541" b="1" dirty="0">
                 <a:latin typeface="Arial" panose="020B0604020202020204" pitchFamily="34" charset="0"/>
                 <a:cs typeface="Arial" panose="020B0604020202020204" pitchFamily="34" charset="0"/>
               </a:rPr>
@@ -4704,8 +4315,8 @@
         </p:nvCxnSpPr>
         <p:spPr>
           <a:xfrm flipV="1">
-            <a:off x="7233404" y="4836347"/>
-            <a:ext cx="4524914" cy="13067"/>
+            <a:off x="7556502" y="5236129"/>
+            <a:ext cx="5810289" cy="16779"/>
           </a:xfrm>
           <a:prstGeom prst="line">
             <a:avLst/>
@@ -4740,8 +4351,8 @@
         </p:nvSpPr>
         <p:spPr>
           <a:xfrm>
-            <a:off x="1205705" y="4393738"/>
-            <a:ext cx="5759321" cy="2573989"/>
+            <a:off x="-183462" y="4667790"/>
+            <a:ext cx="7395349" cy="3305172"/>
           </a:xfrm>
           <a:prstGeom prst="roundRect">
             <a:avLst/>
@@ -4792,7 +4403,7 @@
           <a:lstStyle/>
           <a:p>
             <a:pPr algn="ctr"/>
-            <a:endParaRPr lang="en-US"/>
+            <a:endParaRPr lang="en-US" sz="2311"/>
           </a:p>
         </p:txBody>
       </p:sp>
@@ -4811,7 +4422,7 @@
           <p:nvPr/>
         </p:nvPicPr>
         <p:blipFill>
-          <a:blip r:embed="rId10">
+          <a:blip r:embed="rId9">
             <a:extLst>
               <a:ext uri="{28A0092B-C50C-407E-A947-70E740481C1C}">
                 <a14:useLocalDpi xmlns:a14="http://schemas.microsoft.com/office/drawing/2010/main" val="0"/>
@@ -4824,8 +4435,8 @@
         </p:blipFill>
         <p:spPr>
           <a:xfrm>
-            <a:off x="1413973" y="4456363"/>
-            <a:ext cx="272989" cy="306097"/>
+            <a:off x="83969" y="4748204"/>
+            <a:ext cx="350536" cy="393049"/>
           </a:xfrm>
           <a:prstGeom prst="rect">
             <a:avLst/>
@@ -4846,8 +4457,8 @@
         </p:nvSpPr>
         <p:spPr>
           <a:xfrm>
-            <a:off x="1749182" y="4487059"/>
-            <a:ext cx="931862" cy="276999"/>
+            <a:off x="514398" y="4787620"/>
+            <a:ext cx="2002298" cy="329449"/>
           </a:xfrm>
           <a:prstGeom prst="rect">
             <a:avLst/>
@@ -4861,11 +4472,11 @@
           <a:lstStyle/>
           <a:p>
             <a:r>
-              <a:rPr lang="en-US" sz="1200" b="1" dirty="0">
+              <a:rPr lang="en-US" sz="1541" b="1" dirty="0">
                 <a:latin typeface="Arial" panose="020B0604020202020204" pitchFamily="34" charset="0"/>
                 <a:cs typeface="Arial" panose="020B0604020202020204" pitchFamily="34" charset="0"/>
               </a:rPr>
-              <a:t>DAILY</a:t>
+              <a:t>DAILY PROFIT</a:t>
             </a:r>
           </a:p>
         </p:txBody>
@@ -4884,8 +4495,8 @@
         </p:nvSpPr>
         <p:spPr>
           <a:xfrm>
-            <a:off x="5639314" y="1384825"/>
-            <a:ext cx="2844810" cy="2932651"/>
+            <a:off x="5509585" y="804146"/>
+            <a:ext cx="3652924" cy="3765718"/>
           </a:xfrm>
           <a:prstGeom prst="roundRect">
             <a:avLst/>
@@ -4936,7 +4547,7 @@
           <a:lstStyle/>
           <a:p>
             <a:pPr algn="ctr"/>
-            <a:endParaRPr lang="en-US"/>
+            <a:endParaRPr lang="en-US" sz="2311"/>
           </a:p>
         </p:txBody>
       </p:sp>
@@ -4955,7 +4566,7 @@
           <p:nvPr/>
         </p:nvPicPr>
         <p:blipFill>
-          <a:blip r:embed="rId11">
+          <a:blip r:embed="rId10">
             <a:extLst>
               <a:ext uri="{28A0092B-C50C-407E-A947-70E740481C1C}">
                 <a14:useLocalDpi xmlns:a14="http://schemas.microsoft.com/office/drawing/2010/main" val="0"/>
@@ -4968,8 +4579,8 @@
         </p:blipFill>
         <p:spPr>
           <a:xfrm>
-            <a:off x="5813111" y="1398757"/>
-            <a:ext cx="431646" cy="431646"/>
+            <a:off x="5732752" y="822034"/>
+            <a:ext cx="554262" cy="554262"/>
           </a:xfrm>
           <a:prstGeom prst="rect">
             <a:avLst/>
@@ -4990,8 +4601,8 @@
         </p:nvSpPr>
         <p:spPr>
           <a:xfrm>
-            <a:off x="6213704" y="1505890"/>
-            <a:ext cx="1417005" cy="276999"/>
+            <a:off x="6247142" y="959601"/>
+            <a:ext cx="1819528" cy="329449"/>
           </a:xfrm>
           <a:prstGeom prst="rect">
             <a:avLst/>
@@ -5005,7 +4616,7 @@
           <a:lstStyle/>
           <a:p>
             <a:r>
-              <a:rPr lang="en-US" sz="1200" b="1" dirty="0">
+              <a:rPr lang="en-US" sz="1541" b="1" dirty="0">
                 <a:latin typeface="Arial" panose="020B0604020202020204" pitchFamily="34" charset="0"/>
                 <a:cs typeface="Arial" panose="020B0604020202020204" pitchFamily="34" charset="0"/>
               </a:rPr>
@@ -5030,8 +4641,8 @@
         </p:nvCxnSpPr>
         <p:spPr>
           <a:xfrm>
-            <a:off x="1331922" y="4825385"/>
-            <a:ext cx="5403852" cy="0"/>
+            <a:off x="-21392" y="5222051"/>
+            <a:ext cx="6938904" cy="0"/>
           </a:xfrm>
           <a:prstGeom prst="line">
             <a:avLst/>
@@ -5068,8 +4679,8 @@
         </p:nvCxnSpPr>
         <p:spPr>
           <a:xfrm flipV="1">
-            <a:off x="5833417" y="1773615"/>
-            <a:ext cx="2403837" cy="9575"/>
+            <a:off x="5758828" y="1303378"/>
+            <a:ext cx="3086686" cy="12295"/>
           </a:xfrm>
           <a:prstGeom prst="line">
             <a:avLst/>
@@ -5104,8 +4715,8 @@
         </p:nvSpPr>
         <p:spPr>
           <a:xfrm>
-            <a:off x="8612166" y="1359160"/>
-            <a:ext cx="3689812" cy="2958316"/>
+            <a:off x="9326924" y="771188"/>
+            <a:ext cx="4737963" cy="3798674"/>
           </a:xfrm>
           <a:prstGeom prst="roundRect">
             <a:avLst/>
@@ -5156,7 +4767,7 @@
           <a:lstStyle/>
           <a:p>
             <a:pPr algn="ctr"/>
-            <a:endParaRPr lang="en-US"/>
+            <a:endParaRPr lang="en-US" sz="2311"/>
           </a:p>
         </p:txBody>
       </p:sp>
@@ -5174,8 +4785,8 @@
         </p:nvSpPr>
         <p:spPr>
           <a:xfrm>
-            <a:off x="9260563" y="1496616"/>
-            <a:ext cx="2673771" cy="276999"/>
+            <a:off x="10159510" y="947693"/>
+            <a:ext cx="3433299" cy="329449"/>
           </a:xfrm>
           <a:prstGeom prst="rect">
             <a:avLst/>
@@ -5189,7 +4800,7 @@
           <a:lstStyle/>
           <a:p>
             <a:r>
-              <a:rPr lang="en-US" sz="1200" b="1" dirty="0">
+              <a:rPr lang="en-US" sz="1541" b="1" dirty="0">
                 <a:latin typeface="Arial" panose="020B0604020202020204" pitchFamily="34" charset="0"/>
                 <a:cs typeface="Arial" panose="020B0604020202020204" pitchFamily="34" charset="0"/>
               </a:rPr>
@@ -5214,8 +4825,8 @@
         </p:nvCxnSpPr>
         <p:spPr>
           <a:xfrm flipV="1">
-            <a:off x="8828917" y="1773615"/>
-            <a:ext cx="3105417" cy="9575"/>
+            <a:off x="9605248" y="1303378"/>
+            <a:ext cx="3987561" cy="12295"/>
           </a:xfrm>
           <a:prstGeom prst="line">
             <a:avLst/>
@@ -5251,7 +4862,7 @@
           <p:nvPr/>
         </p:nvPicPr>
         <p:blipFill>
-          <a:blip r:embed="rId12">
+          <a:blip r:embed="rId11">
             <a:extLst>
               <a:ext uri="{28A0092B-C50C-407E-A947-70E740481C1C}">
                 <a14:useLocalDpi xmlns:a14="http://schemas.microsoft.com/office/drawing/2010/main" val="0"/>
@@ -5264,8 +4875,8 @@
         </p:blipFill>
         <p:spPr>
           <a:xfrm>
-            <a:off x="8845613" y="1331696"/>
-            <a:ext cx="460869" cy="460869"/>
+            <a:off x="9626687" y="735925"/>
+            <a:ext cx="591786" cy="591786"/>
           </a:xfrm>
           <a:prstGeom prst="rect">
             <a:avLst/>
@@ -5286,8 +4897,8 @@
         </p:nvSpPr>
         <p:spPr>
           <a:xfrm>
-            <a:off x="-139038" y="5340138"/>
-            <a:ext cx="1230561" cy="1225958"/>
+            <a:off x="-1910201" y="6398749"/>
+            <a:ext cx="1580122" cy="1574211"/>
           </a:xfrm>
           <a:prstGeom prst="roundRect">
             <a:avLst/>
@@ -5338,7 +4949,7 @@
           <a:lstStyle/>
           <a:p>
             <a:pPr algn="ctr"/>
-            <a:endParaRPr lang="en-US" dirty="0"/>
+            <a:endParaRPr lang="en-US" sz="2311" dirty="0"/>
           </a:p>
         </p:txBody>
       </p:sp>
@@ -5356,8 +4967,8 @@
         </p:nvSpPr>
         <p:spPr>
           <a:xfrm>
-            <a:off x="9512541" y="496239"/>
-            <a:ext cx="2789437" cy="720442"/>
+            <a:off x="10380520" y="-337823"/>
+            <a:ext cx="1204436" cy="925095"/>
           </a:xfrm>
           <a:prstGeom prst="roundRect">
             <a:avLst/>
@@ -5408,7 +5019,7 @@
           <a:lstStyle/>
           <a:p>
             <a:pPr algn="ctr"/>
-            <a:endParaRPr lang="en-US" dirty="0"/>
+            <a:endParaRPr lang="en-US" sz="2311" dirty="0"/>
           </a:p>
         </p:txBody>
       </p:sp>
@@ -5426,8 +5037,8 @@
         </p:nvSpPr>
         <p:spPr>
           <a:xfrm>
-            <a:off x="-214870" y="5396004"/>
-            <a:ext cx="1471321" cy="276999"/>
+            <a:off x="-1910666" y="6484509"/>
+            <a:ext cx="1889274" cy="329449"/>
           </a:xfrm>
           <a:prstGeom prst="rect">
             <a:avLst/>
@@ -5441,7 +5052,7 @@
           <a:lstStyle/>
           <a:p>
             <a:r>
-              <a:rPr lang="en-US" sz="1200" b="1" dirty="0">
+              <a:rPr lang="en-US" sz="1541" b="1" dirty="0">
                 <a:latin typeface="Arial" panose="020B0604020202020204" pitchFamily="34" charset="0"/>
                 <a:cs typeface="Arial" panose="020B0604020202020204" pitchFamily="34" charset="0"/>
               </a:rPr>
@@ -5466,8 +5077,8 @@
         </p:nvCxnSpPr>
         <p:spPr>
           <a:xfrm>
-            <a:off x="-81503" y="5673003"/>
-            <a:ext cx="1106207" cy="0"/>
+            <a:off x="-1836323" y="6826169"/>
+            <a:ext cx="1420443" cy="0"/>
           </a:xfrm>
           <a:prstGeom prst="line">
             <a:avLst/>
@@ -5503,7 +5114,7 @@
           <p:nvPr/>
         </p:nvPicPr>
         <p:blipFill>
-          <a:blip r:embed="rId13">
+          <a:blip r:embed="rId12">
             <a:extLst>
               <a:ext uri="{28A0092B-C50C-407E-A947-70E740481C1C}">
                 <a14:useLocalDpi xmlns:a14="http://schemas.microsoft.com/office/drawing/2010/main" val="0"/>
@@ -5516,8 +5127,8 @@
         </p:blipFill>
         <p:spPr>
           <a:xfrm>
-            <a:off x="-48057" y="5825284"/>
-            <a:ext cx="464012" cy="464012"/>
+            <a:off x="-1793376" y="7021708"/>
+            <a:ext cx="595822" cy="595822"/>
           </a:xfrm>
           <a:prstGeom prst="rect">
             <a:avLst/>
@@ -5539,7 +5150,7 @@
           <p:nvPr/>
         </p:nvPicPr>
         <p:blipFill>
-          <a:blip r:embed="rId14">
+          <a:blip r:embed="rId13">
             <a:extLst>
               <a:ext uri="{28A0092B-C50C-407E-A947-70E740481C1C}">
                 <a14:useLocalDpi xmlns:a14="http://schemas.microsoft.com/office/drawing/2010/main" val="0"/>
@@ -5552,8 +5163,8 @@
         </p:blipFill>
         <p:spPr>
           <a:xfrm>
-            <a:off x="339272" y="5806265"/>
-            <a:ext cx="856401" cy="481726"/>
+            <a:off x="-1296020" y="6997287"/>
+            <a:ext cx="1099676" cy="618568"/>
           </a:xfrm>
           <a:prstGeom prst="rect">
             <a:avLst/>
@@ -5574,8 +5185,8 @@
         </p:nvSpPr>
         <p:spPr>
           <a:xfrm>
-            <a:off x="9657175" y="525021"/>
-            <a:ext cx="1882553" cy="276999"/>
+            <a:off x="10516029" y="-326367"/>
+            <a:ext cx="1025179" cy="329449"/>
           </a:xfrm>
           <a:prstGeom prst="rect">
             <a:avLst/>
@@ -5589,51 +5200,307 @@
           <a:lstStyle/>
           <a:p>
             <a:r>
-              <a:rPr lang="en-US" sz="1200" b="1" dirty="0">
+              <a:rPr lang="en-US" sz="1541" b="1" dirty="0">
                 <a:latin typeface="Arial" panose="020B0604020202020204" pitchFamily="34" charset="0"/>
                 <a:cs typeface="Arial" panose="020B0604020202020204" pitchFamily="34" charset="0"/>
               </a:rPr>
-              <a:t>TOP STATE BY PROFIT</a:t>
-            </a:r>
-          </a:p>
-        </p:txBody>
-      </p:sp>
-      <p:pic>
-        <p:nvPicPr>
-          <p:cNvPr id="29" name="Picture 28" descr="A black background with a black square&#10;&#10;Description automatically generated with medium confidence">
+              <a:t>ONLINE</a:t>
+            </a:r>
+          </a:p>
+        </p:txBody>
+      </p:sp>
+      <p:sp>
+        <p:nvSpPr>
+          <p:cNvPr id="46" name="TextBox 45">
             <a:extLst>
               <a:ext uri="{FF2B5EF4-FFF2-40B4-BE49-F238E27FC236}">
-                <a16:creationId xmlns:a16="http://schemas.microsoft.com/office/drawing/2014/main" id="{8326DE12-33DD-FA30-9FE9-EEC1D5DD7A9A}"/>
+                <a16:creationId xmlns:a16="http://schemas.microsoft.com/office/drawing/2014/main" id="{F1298045-8387-D4DD-3F2A-1329103947C5}"/>
               </a:ext>
             </a:extLst>
           </p:cNvPr>
-          <p:cNvPicPr>
-            <a:picLocks noChangeAspect="1"/>
-          </p:cNvPicPr>
+          <p:cNvSpPr txBox="1"/>
           <p:nvPr/>
-        </p:nvPicPr>
-        <p:blipFill>
-          <a:blip r:embed="rId15">
-            <a:extLst>
-              <a:ext uri="{28A0092B-C50C-407E-A947-70E740481C1C}">
-                <a14:useLocalDpi xmlns:a14="http://schemas.microsoft.com/office/drawing/2010/main" val="0"/>
-              </a:ext>
-            </a:extLst>
-          </a:blip>
-          <a:stretch>
-            <a:fillRect/>
-          </a:stretch>
-        </p:blipFill>
-        <p:spPr>
-          <a:xfrm>
-            <a:off x="11629174" y="588279"/>
-            <a:ext cx="585216" cy="585216"/>
+        </p:nvSpPr>
+        <p:spPr>
+          <a:xfrm>
+            <a:off x="-1485032" y="-299900"/>
+            <a:ext cx="729783" cy="329449"/>
           </a:xfrm>
           <a:prstGeom prst="rect">
             <a:avLst/>
           </a:prstGeom>
-        </p:spPr>
-      </p:pic>
+          <a:noFill/>
+        </p:spPr>
+        <p:txBody>
+          <a:bodyPr wrap="square" rtlCol="0">
+            <a:spAutoFit/>
+          </a:bodyPr>
+          <a:lstStyle/>
+          <a:p>
+            <a:r>
+              <a:rPr lang="en-US" sz="1541" b="1" dirty="0">
+                <a:latin typeface="Arial" panose="020B0604020202020204" pitchFamily="34" charset="0"/>
+                <a:cs typeface="Arial" panose="020B0604020202020204" pitchFamily="34" charset="0"/>
+              </a:rPr>
+              <a:t>YEAR</a:t>
+            </a:r>
+          </a:p>
+        </p:txBody>
+      </p:sp>
+      <p:sp>
+        <p:nvSpPr>
+          <p:cNvPr id="47" name="TextBox 46">
+            <a:extLst>
+              <a:ext uri="{FF2B5EF4-FFF2-40B4-BE49-F238E27FC236}">
+                <a16:creationId xmlns:a16="http://schemas.microsoft.com/office/drawing/2014/main" id="{7E0405A1-4D53-11E5-5AD4-00AA7A711518}"/>
+              </a:ext>
+            </a:extLst>
+          </p:cNvPr>
+          <p:cNvSpPr txBox="1"/>
+          <p:nvPr/>
+        </p:nvSpPr>
+        <p:spPr>
+          <a:xfrm>
+            <a:off x="-1614889" y="1211571"/>
+            <a:ext cx="1002993" cy="329449"/>
+          </a:xfrm>
+          <a:prstGeom prst="rect">
+            <a:avLst/>
+          </a:prstGeom>
+          <a:noFill/>
+        </p:spPr>
+        <p:txBody>
+          <a:bodyPr wrap="square" rtlCol="0">
+            <a:spAutoFit/>
+          </a:bodyPr>
+          <a:lstStyle/>
+          <a:p>
+            <a:r>
+              <a:rPr lang="en-US" sz="1541" b="1" dirty="0">
+                <a:latin typeface="Arial" panose="020B0604020202020204" pitchFamily="34" charset="0"/>
+                <a:cs typeface="Arial" panose="020B0604020202020204" pitchFamily="34" charset="0"/>
+              </a:rPr>
+              <a:t>MONTH</a:t>
+            </a:r>
+          </a:p>
+        </p:txBody>
+      </p:sp>
+      <p:sp>
+        <p:nvSpPr>
+          <p:cNvPr id="56" name="Rectangle: Rounded Corners 55">
+            <a:extLst>
+              <a:ext uri="{FF2B5EF4-FFF2-40B4-BE49-F238E27FC236}">
+                <a16:creationId xmlns:a16="http://schemas.microsoft.com/office/drawing/2014/main" id="{30C604BE-AE23-09EE-C32B-403660D0F77F}"/>
+              </a:ext>
+            </a:extLst>
+          </p:cNvPr>
+          <p:cNvSpPr/>
+          <p:nvPr/>
+        </p:nvSpPr>
+        <p:spPr>
+          <a:xfrm>
+            <a:off x="11624611" y="-348726"/>
+            <a:ext cx="1204436" cy="925095"/>
+          </a:xfrm>
+          <a:prstGeom prst="roundRect">
+            <a:avLst/>
+          </a:prstGeom>
+          <a:gradFill flip="none" rotWithShape="1">
+            <a:gsLst>
+              <a:gs pos="0">
+                <a:srgbClr val="A9C7EE">
+                  <a:tint val="66000"/>
+                  <a:satMod val="160000"/>
+                </a:srgbClr>
+              </a:gs>
+              <a:gs pos="50000">
+                <a:srgbClr val="A9C7EE">
+                  <a:tint val="44500"/>
+                  <a:satMod val="160000"/>
+                </a:srgbClr>
+              </a:gs>
+              <a:gs pos="100000">
+                <a:srgbClr val="A9C7EE">
+                  <a:tint val="23500"/>
+                  <a:satMod val="160000"/>
+                </a:srgbClr>
+              </a:gs>
+            </a:gsLst>
+            <a:lin ang="16200000" scaled="1"/>
+            <a:tileRect/>
+          </a:gradFill>
+        </p:spPr>
+        <p:style>
+          <a:lnRef idx="2">
+            <a:schemeClr val="accent1">
+              <a:shade val="15000"/>
+            </a:schemeClr>
+          </a:lnRef>
+          <a:fillRef idx="1">
+            <a:schemeClr val="accent1"/>
+          </a:fillRef>
+          <a:effectRef idx="0">
+            <a:schemeClr val="accent1"/>
+          </a:effectRef>
+          <a:fontRef idx="minor">
+            <a:schemeClr val="lt1"/>
+          </a:fontRef>
+        </p:style>
+        <p:txBody>
+          <a:bodyPr rtlCol="0" anchor="ctr"/>
+          <a:lstStyle/>
+          <a:p>
+            <a:pPr algn="ctr"/>
+            <a:endParaRPr lang="en-US" sz="2311" dirty="0"/>
+          </a:p>
+        </p:txBody>
+      </p:sp>
+      <p:sp>
+        <p:nvSpPr>
+          <p:cNvPr id="57" name="TextBox 56">
+            <a:extLst>
+              <a:ext uri="{FF2B5EF4-FFF2-40B4-BE49-F238E27FC236}">
+                <a16:creationId xmlns:a16="http://schemas.microsoft.com/office/drawing/2014/main" id="{6CD60028-CC17-3AE3-8742-D0EAF149683B}"/>
+              </a:ext>
+            </a:extLst>
+          </p:cNvPr>
+          <p:cNvSpPr txBox="1"/>
+          <p:nvPr/>
+        </p:nvSpPr>
+        <p:spPr>
+          <a:xfrm>
+            <a:off x="11692365" y="-337823"/>
+            <a:ext cx="1143331" cy="329449"/>
+          </a:xfrm>
+          <a:prstGeom prst="rect">
+            <a:avLst/>
+          </a:prstGeom>
+          <a:noFill/>
+        </p:spPr>
+        <p:txBody>
+          <a:bodyPr wrap="square" rtlCol="0">
+            <a:spAutoFit/>
+          </a:bodyPr>
+          <a:lstStyle/>
+          <a:p>
+            <a:r>
+              <a:rPr lang="en-US" sz="1541" b="1" dirty="0">
+                <a:latin typeface="Arial" panose="020B0604020202020204" pitchFamily="34" charset="0"/>
+                <a:cs typeface="Arial" panose="020B0604020202020204" pitchFamily="34" charset="0"/>
+              </a:rPr>
+              <a:t>IN-STORE</a:t>
+            </a:r>
+          </a:p>
+        </p:txBody>
+      </p:sp>
+      <p:sp>
+        <p:nvSpPr>
+          <p:cNvPr id="59" name="Rectangle: Rounded Corners 58">
+            <a:extLst>
+              <a:ext uri="{FF2B5EF4-FFF2-40B4-BE49-F238E27FC236}">
+                <a16:creationId xmlns:a16="http://schemas.microsoft.com/office/drawing/2014/main" id="{F260D47D-A0B2-9723-AE3D-0E776D406203}"/>
+              </a:ext>
+            </a:extLst>
+          </p:cNvPr>
+          <p:cNvSpPr/>
+          <p:nvPr/>
+        </p:nvSpPr>
+        <p:spPr>
+          <a:xfrm>
+            <a:off x="12903451" y="-354099"/>
+            <a:ext cx="1204436" cy="925095"/>
+          </a:xfrm>
+          <a:prstGeom prst="roundRect">
+            <a:avLst/>
+          </a:prstGeom>
+          <a:gradFill flip="none" rotWithShape="1">
+            <a:gsLst>
+              <a:gs pos="0">
+                <a:srgbClr val="A9C7EE">
+                  <a:tint val="66000"/>
+                  <a:satMod val="160000"/>
+                </a:srgbClr>
+              </a:gs>
+              <a:gs pos="50000">
+                <a:srgbClr val="A9C7EE">
+                  <a:tint val="44500"/>
+                  <a:satMod val="160000"/>
+                </a:srgbClr>
+              </a:gs>
+              <a:gs pos="100000">
+                <a:srgbClr val="A9C7EE">
+                  <a:tint val="23500"/>
+                  <a:satMod val="160000"/>
+                </a:srgbClr>
+              </a:gs>
+            </a:gsLst>
+            <a:lin ang="16200000" scaled="1"/>
+            <a:tileRect/>
+          </a:gradFill>
+        </p:spPr>
+        <p:style>
+          <a:lnRef idx="2">
+            <a:schemeClr val="accent1">
+              <a:shade val="15000"/>
+            </a:schemeClr>
+          </a:lnRef>
+          <a:fillRef idx="1">
+            <a:schemeClr val="accent1"/>
+          </a:fillRef>
+          <a:effectRef idx="0">
+            <a:schemeClr val="accent1"/>
+          </a:effectRef>
+          <a:fontRef idx="minor">
+            <a:schemeClr val="lt1"/>
+          </a:fontRef>
+        </p:style>
+        <p:txBody>
+          <a:bodyPr rtlCol="0" anchor="ctr"/>
+          <a:lstStyle/>
+          <a:p>
+            <a:pPr algn="ctr"/>
+            <a:endParaRPr lang="en-US" sz="2311" dirty="0"/>
+          </a:p>
+        </p:txBody>
+      </p:sp>
+      <p:sp>
+        <p:nvSpPr>
+          <p:cNvPr id="60" name="TextBox 59">
+            <a:extLst>
+              <a:ext uri="{FF2B5EF4-FFF2-40B4-BE49-F238E27FC236}">
+                <a16:creationId xmlns:a16="http://schemas.microsoft.com/office/drawing/2014/main" id="{F3549FEC-4B2F-374C-EB1D-14DA8FF3C740}"/>
+              </a:ext>
+            </a:extLst>
+          </p:cNvPr>
+          <p:cNvSpPr txBox="1"/>
+          <p:nvPr/>
+        </p:nvSpPr>
+        <p:spPr>
+          <a:xfrm>
+            <a:off x="12988423" y="-346521"/>
+            <a:ext cx="1025179" cy="329449"/>
+          </a:xfrm>
+          <a:prstGeom prst="rect">
+            <a:avLst/>
+          </a:prstGeom>
+          <a:noFill/>
+        </p:spPr>
+        <p:txBody>
+          <a:bodyPr wrap="square" rtlCol="0">
+            <a:spAutoFit/>
+          </a:bodyPr>
+          <a:lstStyle/>
+          <a:p>
+            <a:r>
+              <a:rPr lang="en-US" sz="1541" b="1" dirty="0">
+                <a:latin typeface="Arial" panose="020B0604020202020204" pitchFamily="34" charset="0"/>
+                <a:cs typeface="Arial" panose="020B0604020202020204" pitchFamily="34" charset="0"/>
+              </a:rPr>
+              <a:t>OUTLET</a:t>
+            </a:r>
+          </a:p>
+        </p:txBody>
+      </p:sp>
     </p:spTree>
     <p:extLst>
       <p:ext uri="{BB962C8B-B14F-4D97-AF65-F5344CB8AC3E}">
@@ -5650,7 +5517,7 @@
 <file path=ppt/theme/theme1.xml><?xml version="1.0" encoding="utf-8"?>
 <a:theme xmlns:a="http://schemas.openxmlformats.org/drawingml/2006/main" name="Office Theme">
   <a:themeElements>
-    <a:clrScheme name="Office">
+    <a:clrScheme name="Office Theme">
       <a:dk1>
         <a:sysClr val="windowText" lastClr="000000"/>
       </a:dk1>
@@ -5688,7 +5555,7 @@
         <a:srgbClr val="96607D"/>
       </a:folHlink>
     </a:clrScheme>
-    <a:fontScheme name="Office">
+    <a:fontScheme name="Office Theme">
       <a:majorFont>
         <a:latin typeface="Aptos Display" panose="02110004020202020204"/>
         <a:ea typeface=""/>
@@ -5794,7 +5661,7 @@
         <a:font script="Tfng" typeface="Ebrima"/>
       </a:minorFont>
     </a:fontScheme>
-    <a:fmtScheme name="Office">
+    <a:fmtScheme name="Office Theme">
       <a:fillStyleLst>
         <a:solidFill>
           <a:schemeClr val="phClr"/>
